--- a/note/01 geometry algorithm/poly_mesh_processing.pptx
+++ b/note/01 geometry algorithm/poly_mesh_processing.pptx
@@ -4,9 +4,18 @@
   <p:sldMasterIdLst>
     <p:sldMasterId id="2147483648" r:id="rId1"/>
   </p:sldMasterIdLst>
+  <p:notesMasterIdLst>
+    <p:notesMasterId r:id="rId10"/>
+  </p:notesMasterIdLst>
   <p:sldIdLst>
     <p:sldId id="256" r:id="rId2"/>
     <p:sldId id="257" r:id="rId3"/>
+    <p:sldId id="258" r:id="rId4"/>
+    <p:sldId id="259" r:id="rId5"/>
+    <p:sldId id="260" r:id="rId6"/>
+    <p:sldId id="261" r:id="rId7"/>
+    <p:sldId id="262" r:id="rId8"/>
+    <p:sldId id="263" r:id="rId9"/>
   </p:sldIdLst>
   <p:sldSz cx="12192000" cy="6858000"/>
   <p:notesSz cx="6858000" cy="9144000"/>
@@ -105,7 +114,361 @@
       </a:defRPr>
     </a:lvl9pPr>
   </p:defaultTextStyle>
+  <p:extLst>
+    <p:ext uri="{EFAFB233-063F-42B5-8137-9DF3F51BA10A}">
+      <p15:sldGuideLst xmlns:p15="http://schemas.microsoft.com/office/powerpoint/2012/main"/>
+    </p:ext>
+  </p:extLst>
 </p:presentation>
+</file>
+
+<file path=ppt/notesMasters/notesMaster1.xml><?xml version="1.0" encoding="utf-8"?>
+<p:notesMaster xmlns:a="http://schemas.openxmlformats.org/drawingml/2006/main" xmlns:r="http://schemas.openxmlformats.org/officeDocument/2006/relationships" xmlns:p="http://schemas.openxmlformats.org/presentationml/2006/main">
+  <p:cSld>
+    <p:bg>
+      <p:bgRef idx="1001">
+        <a:schemeClr val="bg1"/>
+      </p:bgRef>
+    </p:bg>
+    <p:spTree>
+      <p:nvGrpSpPr>
+        <p:cNvPr id="1" name=""/>
+        <p:cNvGrpSpPr/>
+        <p:nvPr/>
+      </p:nvGrpSpPr>
+      <p:grpSpPr>
+        <a:xfrm>
+          <a:off x="0" y="0"/>
+          <a:ext cx="0" cy="0"/>
+          <a:chOff x="0" y="0"/>
+          <a:chExt cx="0" cy="0"/>
+        </a:xfrm>
+      </p:grpSpPr>
+      <p:sp>
+        <p:nvSpPr>
+          <p:cNvPr id="2" name="页眉占位符 1"/>
+          <p:cNvSpPr>
+            <a:spLocks noGrp="1"/>
+          </p:cNvSpPr>
+          <p:nvPr>
+            <p:ph type="hdr" sz="quarter"/>
+          </p:nvPr>
+        </p:nvSpPr>
+        <p:spPr>
+          <a:xfrm>
+            <a:off x="0" y="0"/>
+            <a:ext cx="2971800" cy="458788"/>
+          </a:xfrm>
+          <a:prstGeom prst="rect">
+            <a:avLst/>
+          </a:prstGeom>
+        </p:spPr>
+        <p:txBody>
+          <a:bodyPr vert="horz" lIns="91440" tIns="45720" rIns="91440" bIns="45720" rtlCol="0"/>
+          <a:lstStyle>
+            <a:lvl1pPr algn="l">
+              <a:defRPr sz="1200"/>
+            </a:lvl1pPr>
+          </a:lstStyle>
+          <a:p>
+            <a:endParaRPr lang="zh-CN" altLang="en-US"/>
+          </a:p>
+        </p:txBody>
+      </p:sp>
+      <p:sp>
+        <p:nvSpPr>
+          <p:cNvPr id="3" name="日期占位符 2"/>
+          <p:cNvSpPr>
+            <a:spLocks noGrp="1"/>
+          </p:cNvSpPr>
+          <p:nvPr>
+            <p:ph type="dt" idx="1"/>
+          </p:nvPr>
+        </p:nvSpPr>
+        <p:spPr>
+          <a:xfrm>
+            <a:off x="3884613" y="0"/>
+            <a:ext cx="2971800" cy="458788"/>
+          </a:xfrm>
+          <a:prstGeom prst="rect">
+            <a:avLst/>
+          </a:prstGeom>
+        </p:spPr>
+        <p:txBody>
+          <a:bodyPr vert="horz" lIns="91440" tIns="45720" rIns="91440" bIns="45720" rtlCol="0"/>
+          <a:lstStyle>
+            <a:lvl1pPr algn="r">
+              <a:defRPr sz="1200"/>
+            </a:lvl1pPr>
+          </a:lstStyle>
+          <a:p>
+            <a:fld id="{2A7D733F-C91F-4B3A-B815-024992B5E4C2}" type="datetimeFigureOut">
+              <a:rPr lang="zh-CN" altLang="en-US" smtClean="0"/>
+              <a:t>2023/1/26</a:t>
+            </a:fld>
+            <a:endParaRPr lang="zh-CN" altLang="en-US"/>
+          </a:p>
+        </p:txBody>
+      </p:sp>
+      <p:sp>
+        <p:nvSpPr>
+          <p:cNvPr id="4" name="幻灯片图像占位符 3"/>
+          <p:cNvSpPr>
+            <a:spLocks noGrp="1" noRot="1" noChangeAspect="1"/>
+          </p:cNvSpPr>
+          <p:nvPr>
+            <p:ph type="sldImg" idx="2"/>
+          </p:nvPr>
+        </p:nvSpPr>
+        <p:spPr>
+          <a:xfrm>
+            <a:off x="685800" y="1143000"/>
+            <a:ext cx="5486400" cy="3086100"/>
+          </a:xfrm>
+          <a:prstGeom prst="rect">
+            <a:avLst/>
+          </a:prstGeom>
+          <a:noFill/>
+          <a:ln w="12700">
+            <a:solidFill>
+              <a:prstClr val="black"/>
+            </a:solidFill>
+          </a:ln>
+        </p:spPr>
+        <p:txBody>
+          <a:bodyPr vert="horz" lIns="91440" tIns="45720" rIns="91440" bIns="45720" rtlCol="0" anchor="ctr"/>
+          <a:lstStyle/>
+          <a:p>
+            <a:endParaRPr lang="zh-CN" altLang="en-US"/>
+          </a:p>
+        </p:txBody>
+      </p:sp>
+      <p:sp>
+        <p:nvSpPr>
+          <p:cNvPr id="5" name="备注占位符 4"/>
+          <p:cNvSpPr>
+            <a:spLocks noGrp="1"/>
+          </p:cNvSpPr>
+          <p:nvPr>
+            <p:ph type="body" sz="quarter" idx="3"/>
+          </p:nvPr>
+        </p:nvSpPr>
+        <p:spPr>
+          <a:xfrm>
+            <a:off x="685800" y="4400550"/>
+            <a:ext cx="5486400" cy="3600450"/>
+          </a:xfrm>
+          <a:prstGeom prst="rect">
+            <a:avLst/>
+          </a:prstGeom>
+        </p:spPr>
+        <p:txBody>
+          <a:bodyPr vert="horz" lIns="91440" tIns="45720" rIns="91440" bIns="45720" rtlCol="0"/>
+          <a:lstStyle/>
+          <a:p>
+            <a:pPr lvl="0"/>
+            <a:r>
+              <a:rPr lang="zh-CN" altLang="en-US"/>
+              <a:t>单击此处编辑母版文本样式</a:t>
+            </a:r>
+          </a:p>
+          <a:p>
+            <a:pPr lvl="1"/>
+            <a:r>
+              <a:rPr lang="zh-CN" altLang="en-US"/>
+              <a:t>二级</a:t>
+            </a:r>
+          </a:p>
+          <a:p>
+            <a:pPr lvl="2"/>
+            <a:r>
+              <a:rPr lang="zh-CN" altLang="en-US"/>
+              <a:t>三级</a:t>
+            </a:r>
+          </a:p>
+          <a:p>
+            <a:pPr lvl="3"/>
+            <a:r>
+              <a:rPr lang="zh-CN" altLang="en-US"/>
+              <a:t>四级</a:t>
+            </a:r>
+          </a:p>
+          <a:p>
+            <a:pPr lvl="4"/>
+            <a:r>
+              <a:rPr lang="zh-CN" altLang="en-US"/>
+              <a:t>五级</a:t>
+            </a:r>
+          </a:p>
+        </p:txBody>
+      </p:sp>
+      <p:sp>
+        <p:nvSpPr>
+          <p:cNvPr id="6" name="页脚占位符 5"/>
+          <p:cNvSpPr>
+            <a:spLocks noGrp="1"/>
+          </p:cNvSpPr>
+          <p:nvPr>
+            <p:ph type="ftr" sz="quarter" idx="4"/>
+          </p:nvPr>
+        </p:nvSpPr>
+        <p:spPr>
+          <a:xfrm>
+            <a:off x="0" y="8685213"/>
+            <a:ext cx="2971800" cy="458787"/>
+          </a:xfrm>
+          <a:prstGeom prst="rect">
+            <a:avLst/>
+          </a:prstGeom>
+        </p:spPr>
+        <p:txBody>
+          <a:bodyPr vert="horz" lIns="91440" tIns="45720" rIns="91440" bIns="45720" rtlCol="0" anchor="b"/>
+          <a:lstStyle>
+            <a:lvl1pPr algn="l">
+              <a:defRPr sz="1200"/>
+            </a:lvl1pPr>
+          </a:lstStyle>
+          <a:p>
+            <a:endParaRPr lang="zh-CN" altLang="en-US"/>
+          </a:p>
+        </p:txBody>
+      </p:sp>
+      <p:sp>
+        <p:nvSpPr>
+          <p:cNvPr id="7" name="灯片编号占位符 6"/>
+          <p:cNvSpPr>
+            <a:spLocks noGrp="1"/>
+          </p:cNvSpPr>
+          <p:nvPr>
+            <p:ph type="sldNum" sz="quarter" idx="5"/>
+          </p:nvPr>
+        </p:nvSpPr>
+        <p:spPr>
+          <a:xfrm>
+            <a:off x="3884613" y="8685213"/>
+            <a:ext cx="2971800" cy="458787"/>
+          </a:xfrm>
+          <a:prstGeom prst="rect">
+            <a:avLst/>
+          </a:prstGeom>
+        </p:spPr>
+        <p:txBody>
+          <a:bodyPr vert="horz" lIns="91440" tIns="45720" rIns="91440" bIns="45720" rtlCol="0" anchor="b"/>
+          <a:lstStyle>
+            <a:lvl1pPr algn="r">
+              <a:defRPr sz="1200"/>
+            </a:lvl1pPr>
+          </a:lstStyle>
+          <a:p>
+            <a:fld id="{A86BC4BC-4875-44E6-ADE6-20A5CCD1B892}" type="slidenum">
+              <a:rPr lang="zh-CN" altLang="en-US" smtClean="0"/>
+              <a:t>‹#›</a:t>
+            </a:fld>
+            <a:endParaRPr lang="zh-CN" altLang="en-US"/>
+          </a:p>
+        </p:txBody>
+      </p:sp>
+    </p:spTree>
+    <p:extLst>
+      <p:ext uri="{BB962C8B-B14F-4D97-AF65-F5344CB8AC3E}">
+        <p14:creationId xmlns:p14="http://schemas.microsoft.com/office/powerpoint/2010/main" val="4261134709"/>
+      </p:ext>
+    </p:extLst>
+  </p:cSld>
+  <p:clrMap bg1="lt1" tx1="dk1" bg2="lt2" tx2="dk2" accent1="accent1" accent2="accent2" accent3="accent3" accent4="accent4" accent5="accent5" accent6="accent6" hlink="hlink" folHlink="folHlink"/>
+  <p:notesStyle>
+    <a:lvl1pPr marL="0" algn="l" defTabSz="914400" rtl="0" eaLnBrk="1" latinLnBrk="0" hangingPunct="1">
+      <a:defRPr sz="1200" kern="1200">
+        <a:solidFill>
+          <a:schemeClr val="tx1"/>
+        </a:solidFill>
+        <a:latin typeface="+mn-lt"/>
+        <a:ea typeface="+mn-ea"/>
+        <a:cs typeface="+mn-cs"/>
+      </a:defRPr>
+    </a:lvl1pPr>
+    <a:lvl2pPr marL="457200" algn="l" defTabSz="914400" rtl="0" eaLnBrk="1" latinLnBrk="0" hangingPunct="1">
+      <a:defRPr sz="1200" kern="1200">
+        <a:solidFill>
+          <a:schemeClr val="tx1"/>
+        </a:solidFill>
+        <a:latin typeface="+mn-lt"/>
+        <a:ea typeface="+mn-ea"/>
+        <a:cs typeface="+mn-cs"/>
+      </a:defRPr>
+    </a:lvl2pPr>
+    <a:lvl3pPr marL="914400" algn="l" defTabSz="914400" rtl="0" eaLnBrk="1" latinLnBrk="0" hangingPunct="1">
+      <a:defRPr sz="1200" kern="1200">
+        <a:solidFill>
+          <a:schemeClr val="tx1"/>
+        </a:solidFill>
+        <a:latin typeface="+mn-lt"/>
+        <a:ea typeface="+mn-ea"/>
+        <a:cs typeface="+mn-cs"/>
+      </a:defRPr>
+    </a:lvl3pPr>
+    <a:lvl4pPr marL="1371600" algn="l" defTabSz="914400" rtl="0" eaLnBrk="1" latinLnBrk="0" hangingPunct="1">
+      <a:defRPr sz="1200" kern="1200">
+        <a:solidFill>
+          <a:schemeClr val="tx1"/>
+        </a:solidFill>
+        <a:latin typeface="+mn-lt"/>
+        <a:ea typeface="+mn-ea"/>
+        <a:cs typeface="+mn-cs"/>
+      </a:defRPr>
+    </a:lvl4pPr>
+    <a:lvl5pPr marL="1828800" algn="l" defTabSz="914400" rtl="0" eaLnBrk="1" latinLnBrk="0" hangingPunct="1">
+      <a:defRPr sz="1200" kern="1200">
+        <a:solidFill>
+          <a:schemeClr val="tx1"/>
+        </a:solidFill>
+        <a:latin typeface="+mn-lt"/>
+        <a:ea typeface="+mn-ea"/>
+        <a:cs typeface="+mn-cs"/>
+      </a:defRPr>
+    </a:lvl5pPr>
+    <a:lvl6pPr marL="2286000" algn="l" defTabSz="914400" rtl="0" eaLnBrk="1" latinLnBrk="0" hangingPunct="1">
+      <a:defRPr sz="1200" kern="1200">
+        <a:solidFill>
+          <a:schemeClr val="tx1"/>
+        </a:solidFill>
+        <a:latin typeface="+mn-lt"/>
+        <a:ea typeface="+mn-ea"/>
+        <a:cs typeface="+mn-cs"/>
+      </a:defRPr>
+    </a:lvl6pPr>
+    <a:lvl7pPr marL="2743200" algn="l" defTabSz="914400" rtl="0" eaLnBrk="1" latinLnBrk="0" hangingPunct="1">
+      <a:defRPr sz="1200" kern="1200">
+        <a:solidFill>
+          <a:schemeClr val="tx1"/>
+        </a:solidFill>
+        <a:latin typeface="+mn-lt"/>
+        <a:ea typeface="+mn-ea"/>
+        <a:cs typeface="+mn-cs"/>
+      </a:defRPr>
+    </a:lvl7pPr>
+    <a:lvl8pPr marL="3200400" algn="l" defTabSz="914400" rtl="0" eaLnBrk="1" latinLnBrk="0" hangingPunct="1">
+      <a:defRPr sz="1200" kern="1200">
+        <a:solidFill>
+          <a:schemeClr val="tx1"/>
+        </a:solidFill>
+        <a:latin typeface="+mn-lt"/>
+        <a:ea typeface="+mn-ea"/>
+        <a:cs typeface="+mn-cs"/>
+      </a:defRPr>
+    </a:lvl8pPr>
+    <a:lvl9pPr marL="3657600" algn="l" defTabSz="914400" rtl="0" eaLnBrk="1" latinLnBrk="0" hangingPunct="1">
+      <a:defRPr sz="1200" kern="1200">
+        <a:solidFill>
+          <a:schemeClr val="tx1"/>
+        </a:solidFill>
+        <a:latin typeface="+mn-lt"/>
+        <a:ea typeface="+mn-ea"/>
+        <a:cs typeface="+mn-cs"/>
+      </a:defRPr>
+    </a:lvl9pPr>
+  </p:notesStyle>
+</p:notesMaster>
 </file>
 
 <file path=ppt/slideLayouts/slideLayout1.xml><?xml version="1.0" encoding="utf-8"?>
@@ -255,7 +618,7 @@
           <a:p>
             <a:fld id="{415521C9-D0D3-45FB-A5F7-E66BC598C280}" type="datetimeFigureOut">
               <a:rPr lang="zh-CN" altLang="en-US" smtClean="0"/>
-              <a:t>2023/1/23</a:t>
+              <a:t>2023/1/26</a:t>
             </a:fld>
             <a:endParaRPr lang="zh-CN" altLang="en-US"/>
           </a:p>
@@ -453,7 +816,7 @@
           <a:p>
             <a:fld id="{415521C9-D0D3-45FB-A5F7-E66BC598C280}" type="datetimeFigureOut">
               <a:rPr lang="zh-CN" altLang="en-US" smtClean="0"/>
-              <a:t>2023/1/23</a:t>
+              <a:t>2023/1/26</a:t>
             </a:fld>
             <a:endParaRPr lang="zh-CN" altLang="en-US"/>
           </a:p>
@@ -661,7 +1024,7 @@
           <a:p>
             <a:fld id="{415521C9-D0D3-45FB-A5F7-E66BC598C280}" type="datetimeFigureOut">
               <a:rPr lang="zh-CN" altLang="en-US" smtClean="0"/>
-              <a:t>2023/1/23</a:t>
+              <a:t>2023/1/26</a:t>
             </a:fld>
             <a:endParaRPr lang="zh-CN" altLang="en-US"/>
           </a:p>
@@ -859,7 +1222,7 @@
           <a:p>
             <a:fld id="{415521C9-D0D3-45FB-A5F7-E66BC598C280}" type="datetimeFigureOut">
               <a:rPr lang="zh-CN" altLang="en-US" smtClean="0"/>
-              <a:t>2023/1/23</a:t>
+              <a:t>2023/1/26</a:t>
             </a:fld>
             <a:endParaRPr lang="zh-CN" altLang="en-US"/>
           </a:p>
@@ -1134,7 +1497,7 @@
           <a:p>
             <a:fld id="{415521C9-D0D3-45FB-A5F7-E66BC598C280}" type="datetimeFigureOut">
               <a:rPr lang="zh-CN" altLang="en-US" smtClean="0"/>
-              <a:t>2023/1/23</a:t>
+              <a:t>2023/1/26</a:t>
             </a:fld>
             <a:endParaRPr lang="zh-CN" altLang="en-US"/>
           </a:p>
@@ -1399,7 +1762,7 @@
           <a:p>
             <a:fld id="{415521C9-D0D3-45FB-A5F7-E66BC598C280}" type="datetimeFigureOut">
               <a:rPr lang="zh-CN" altLang="en-US" smtClean="0"/>
-              <a:t>2023/1/23</a:t>
+              <a:t>2023/1/26</a:t>
             </a:fld>
             <a:endParaRPr lang="zh-CN" altLang="en-US"/>
           </a:p>
@@ -1811,7 +2174,7 @@
           <a:p>
             <a:fld id="{415521C9-D0D3-45FB-A5F7-E66BC598C280}" type="datetimeFigureOut">
               <a:rPr lang="zh-CN" altLang="en-US" smtClean="0"/>
-              <a:t>2023/1/23</a:t>
+              <a:t>2023/1/26</a:t>
             </a:fld>
             <a:endParaRPr lang="zh-CN" altLang="en-US"/>
           </a:p>
@@ -1952,7 +2315,7 @@
           <a:p>
             <a:fld id="{415521C9-D0D3-45FB-A5F7-E66BC598C280}" type="datetimeFigureOut">
               <a:rPr lang="zh-CN" altLang="en-US" smtClean="0"/>
-              <a:t>2023/1/23</a:t>
+              <a:t>2023/1/26</a:t>
             </a:fld>
             <a:endParaRPr lang="zh-CN" altLang="en-US"/>
           </a:p>
@@ -2065,7 +2428,7 @@
           <a:p>
             <a:fld id="{415521C9-D0D3-45FB-A5F7-E66BC598C280}" type="datetimeFigureOut">
               <a:rPr lang="zh-CN" altLang="en-US" smtClean="0"/>
-              <a:t>2023/1/23</a:t>
+              <a:t>2023/1/26</a:t>
             </a:fld>
             <a:endParaRPr lang="zh-CN" altLang="en-US"/>
           </a:p>
@@ -2376,7 +2739,7 @@
           <a:p>
             <a:fld id="{415521C9-D0D3-45FB-A5F7-E66BC598C280}" type="datetimeFigureOut">
               <a:rPr lang="zh-CN" altLang="en-US" smtClean="0"/>
-              <a:t>2023/1/23</a:t>
+              <a:t>2023/1/26</a:t>
             </a:fld>
             <a:endParaRPr lang="zh-CN" altLang="en-US"/>
           </a:p>
@@ -2664,7 +3027,7 @@
           <a:p>
             <a:fld id="{415521C9-D0D3-45FB-A5F7-E66BC598C280}" type="datetimeFigureOut">
               <a:rPr lang="zh-CN" altLang="en-US" smtClean="0"/>
-              <a:t>2023/1/23</a:t>
+              <a:t>2023/1/26</a:t>
             </a:fld>
             <a:endParaRPr lang="zh-CN" altLang="en-US"/>
           </a:p>
@@ -2905,7 +3268,7 @@
           <a:p>
             <a:fld id="{415521C9-D0D3-45FB-A5F7-E66BC598C280}" type="datetimeFigureOut">
               <a:rPr lang="zh-CN" altLang="en-US" smtClean="0"/>
-              <a:t>2023/1/23</a:t>
+              <a:t>2023/1/26</a:t>
             </a:fld>
             <a:endParaRPr lang="zh-CN" altLang="en-US"/>
           </a:p>
@@ -3502,43 +3865,104 @@
       </p:grpSpPr>
       <p:sp>
         <p:nvSpPr>
-          <p:cNvPr id="2" name="标题 1">
-            <a:extLst>
-              <a:ext uri="{FF2B5EF4-FFF2-40B4-BE49-F238E27FC236}">
-                <a16:creationId xmlns:a16="http://schemas.microsoft.com/office/drawing/2014/main" id="{543E1963-7887-E02B-AAF1-D714A00B9682}"/>
-              </a:ext>
-            </a:extLst>
-          </p:cNvPr>
-          <p:cNvSpPr>
-            <a:spLocks noGrp="1"/>
-          </p:cNvSpPr>
-          <p:nvPr>
-            <p:ph type="title"/>
-          </p:nvPr>
+          <p:cNvPr id="7" name="文本框 6">
+            <a:extLst>
+              <a:ext uri="{FF2B5EF4-FFF2-40B4-BE49-F238E27FC236}">
+                <a16:creationId xmlns:a16="http://schemas.microsoft.com/office/drawing/2014/main" id="{C66A6645-7865-5D5E-D000-1BA0780464A1}"/>
+              </a:ext>
+            </a:extLst>
+          </p:cNvPr>
+          <p:cNvSpPr txBox="1"/>
+          <p:nvPr/>
         </p:nvSpPr>
         <p:spPr>
           <a:xfrm>
-            <a:off x="3108063" y="2581199"/>
-            <a:ext cx="6390939" cy="1325563"/>
+            <a:off x="774551" y="344245"/>
+            <a:ext cx="3709670" cy="369332"/>
           </a:xfrm>
+          <a:prstGeom prst="rect">
+            <a:avLst/>
+          </a:prstGeom>
+          <a:noFill/>
         </p:spPr>
         <p:txBody>
-          <a:bodyPr/>
-          <a:lstStyle/>
-          <a:p>
-            <a:r>
-              <a:rPr lang="en-US" altLang="zh-CN" dirty="0">
-                <a:latin typeface="微软雅黑" panose="020B0503020204020204" pitchFamily="34" charset="-122"/>
-                <a:ea typeface="微软雅黑" panose="020B0503020204020204" pitchFamily="34" charset="-122"/>
+          <a:bodyPr wrap="none" rtlCol="0">
+            <a:spAutoFit/>
+          </a:bodyPr>
+          <a:lstStyle/>
+          <a:p>
+            <a:r>
+              <a:rPr lang="zh-CN" altLang="en-US" b="1" dirty="0"/>
+              <a:t>第一章， 到底什么是二维流形表面</a:t>
+            </a:r>
+          </a:p>
+        </p:txBody>
+      </p:sp>
+      <p:pic>
+        <p:nvPicPr>
+          <p:cNvPr id="9" name="图片 8">
+            <a:extLst>
+              <a:ext uri="{FF2B5EF4-FFF2-40B4-BE49-F238E27FC236}">
+                <a16:creationId xmlns:a16="http://schemas.microsoft.com/office/drawing/2014/main" id="{54C5A986-0CDE-9070-B1BF-D5BE8AE1F552}"/>
+              </a:ext>
+            </a:extLst>
+          </p:cNvPr>
+          <p:cNvPicPr>
+            <a:picLocks noChangeAspect="1"/>
+          </p:cNvPicPr>
+          <p:nvPr/>
+        </p:nvPicPr>
+        <p:blipFill>
+          <a:blip r:embed="rId2"/>
+          <a:stretch>
+            <a:fillRect/>
+          </a:stretch>
+        </p:blipFill>
+        <p:spPr>
+          <a:xfrm>
+            <a:off x="1101184" y="1193261"/>
+            <a:ext cx="5858693" cy="4772691"/>
+          </a:xfrm>
+          <a:prstGeom prst="rect">
+            <a:avLst/>
+          </a:prstGeom>
+        </p:spPr>
+      </p:pic>
+      <p:sp>
+        <p:nvSpPr>
+          <p:cNvPr id="10" name="文本框 9">
+            <a:extLst>
+              <a:ext uri="{FF2B5EF4-FFF2-40B4-BE49-F238E27FC236}">
+                <a16:creationId xmlns:a16="http://schemas.microsoft.com/office/drawing/2014/main" id="{92068F2E-D9D8-28F6-988D-8D49BCE11E5D}"/>
+              </a:ext>
+            </a:extLst>
+          </p:cNvPr>
+          <p:cNvSpPr txBox="1"/>
+          <p:nvPr/>
+        </p:nvSpPr>
+        <p:spPr>
+          <a:xfrm>
+            <a:off x="8025205" y="3059668"/>
+            <a:ext cx="2031325" cy="369332"/>
+          </a:xfrm>
+          <a:prstGeom prst="rect">
+            <a:avLst/>
+          </a:prstGeom>
+          <a:noFill/>
+        </p:spPr>
+        <p:txBody>
+          <a:bodyPr wrap="none" rtlCol="0">
+            <a:spAutoFit/>
+          </a:bodyPr>
+          <a:lstStyle/>
+          <a:p>
+            <a:r>
+              <a:rPr lang="zh-CN" altLang="en-US" b="1" dirty="0">
+                <a:solidFill>
+                  <a:srgbClr val="FF0000"/>
+                </a:solidFill>
               </a:rPr>
-              <a:t>TODO</a:t>
-            </a:r>
-            <a:r>
-              <a:rPr lang="zh-CN" altLang="en-US" dirty="0">
-                <a:latin typeface="微软雅黑" panose="020B0503020204020204" pitchFamily="34" charset="-122"/>
-                <a:ea typeface="微软雅黑" panose="020B0503020204020204" pitchFamily="34" charset="-122"/>
-              </a:rPr>
-              <a:t>。。。。。。。。</a:t>
+              <a:t>还是没懂。。。。</a:t>
             </a:r>
           </a:p>
         </p:txBody>
@@ -3547,6 +3971,2776 @@
     <p:extLst>
       <p:ext uri="{BB962C8B-B14F-4D97-AF65-F5344CB8AC3E}">
         <p14:creationId xmlns:p14="http://schemas.microsoft.com/office/powerpoint/2010/main" val="727147691"/>
+      </p:ext>
+    </p:extLst>
+  </p:cSld>
+  <p:clrMapOvr>
+    <a:masterClrMapping/>
+  </p:clrMapOvr>
+</p:sld>
+</file>
+
+<file path=ppt/slides/slide3.xml><?xml version="1.0" encoding="utf-8"?>
+<p:sld xmlns:a="http://schemas.openxmlformats.org/drawingml/2006/main" xmlns:r="http://schemas.openxmlformats.org/officeDocument/2006/relationships" xmlns:p="http://schemas.openxmlformats.org/presentationml/2006/main">
+  <p:cSld>
+    <p:spTree>
+      <p:nvGrpSpPr>
+        <p:cNvPr id="1" name=""/>
+        <p:cNvGrpSpPr/>
+        <p:nvPr/>
+      </p:nvGrpSpPr>
+      <p:grpSpPr>
+        <a:xfrm>
+          <a:off x="0" y="0"/>
+          <a:ext cx="0" cy="0"/>
+          <a:chOff x="0" y="0"/>
+          <a:chExt cx="0" cy="0"/>
+        </a:xfrm>
+      </p:grpSpPr>
+      <p:sp>
+        <p:nvSpPr>
+          <p:cNvPr id="7" name="文本框 6">
+            <a:extLst>
+              <a:ext uri="{FF2B5EF4-FFF2-40B4-BE49-F238E27FC236}">
+                <a16:creationId xmlns:a16="http://schemas.microsoft.com/office/drawing/2014/main" id="{C66A6645-7865-5D5E-D000-1BA0780464A1}"/>
+              </a:ext>
+            </a:extLst>
+          </p:cNvPr>
+          <p:cNvSpPr txBox="1"/>
+          <p:nvPr/>
+        </p:nvSpPr>
+        <p:spPr>
+          <a:xfrm>
+            <a:off x="774551" y="344245"/>
+            <a:ext cx="2031325" cy="369332"/>
+          </a:xfrm>
+          <a:prstGeom prst="rect">
+            <a:avLst/>
+          </a:prstGeom>
+          <a:noFill/>
+        </p:spPr>
+        <p:txBody>
+          <a:bodyPr wrap="none" rtlCol="0">
+            <a:spAutoFit/>
+          </a:bodyPr>
+          <a:lstStyle/>
+          <a:p>
+            <a:r>
+              <a:rPr lang="zh-CN" altLang="en-US" b="1" dirty="0"/>
+              <a:t>第二章，数据结构</a:t>
+            </a:r>
+          </a:p>
+        </p:txBody>
+      </p:sp>
+      <p:sp>
+        <p:nvSpPr>
+          <p:cNvPr id="2" name="文本框 1">
+            <a:extLst>
+              <a:ext uri="{FF2B5EF4-FFF2-40B4-BE49-F238E27FC236}">
+                <a16:creationId xmlns:a16="http://schemas.microsoft.com/office/drawing/2014/main" id="{E679B5FA-5AC4-17E9-A3A5-95988C6D507D}"/>
+              </a:ext>
+            </a:extLst>
+          </p:cNvPr>
+          <p:cNvSpPr txBox="1"/>
+          <p:nvPr/>
+        </p:nvSpPr>
+        <p:spPr>
+          <a:xfrm>
+            <a:off x="2022438" y="2936838"/>
+            <a:ext cx="7956024" cy="369332"/>
+          </a:xfrm>
+          <a:prstGeom prst="rect">
+            <a:avLst/>
+          </a:prstGeom>
+          <a:noFill/>
+        </p:spPr>
+        <p:txBody>
+          <a:bodyPr wrap="none" rtlCol="0">
+            <a:spAutoFit/>
+          </a:bodyPr>
+          <a:lstStyle/>
+          <a:p>
+            <a:r>
+              <a:rPr lang="zh-CN" altLang="en-US" b="1" dirty="0"/>
+              <a:t>半边型数据结构。。。。。， 已经在用</a:t>
+            </a:r>
+            <a:r>
+              <a:rPr lang="en-US" altLang="zh-CN" b="1" dirty="0"/>
+              <a:t>CGAL</a:t>
+            </a:r>
+            <a:r>
+              <a:rPr lang="zh-CN" altLang="en-US" b="1" dirty="0"/>
+              <a:t>库做练习了。。。跳过。。。。</a:t>
+            </a:r>
+          </a:p>
+        </p:txBody>
+      </p:sp>
+    </p:spTree>
+    <p:extLst>
+      <p:ext uri="{BB962C8B-B14F-4D97-AF65-F5344CB8AC3E}">
+        <p14:creationId xmlns:p14="http://schemas.microsoft.com/office/powerpoint/2010/main" val="325839815"/>
+      </p:ext>
+    </p:extLst>
+  </p:cSld>
+  <p:clrMapOvr>
+    <a:masterClrMapping/>
+  </p:clrMapOvr>
+</p:sld>
+</file>
+
+<file path=ppt/slides/slide4.xml><?xml version="1.0" encoding="utf-8"?>
+<p:sld xmlns:a="http://schemas.openxmlformats.org/drawingml/2006/main" xmlns:r="http://schemas.openxmlformats.org/officeDocument/2006/relationships" xmlns:p="http://schemas.openxmlformats.org/presentationml/2006/main">
+  <p:cSld>
+    <p:spTree>
+      <p:nvGrpSpPr>
+        <p:cNvPr id="1" name=""/>
+        <p:cNvGrpSpPr/>
+        <p:nvPr/>
+      </p:nvGrpSpPr>
+      <p:grpSpPr>
+        <a:xfrm>
+          <a:off x="0" y="0"/>
+          <a:ext cx="0" cy="0"/>
+          <a:chOff x="0" y="0"/>
+          <a:chExt cx="0" cy="0"/>
+        </a:xfrm>
+      </p:grpSpPr>
+      <p:sp>
+        <p:nvSpPr>
+          <p:cNvPr id="7" name="文本框 6">
+            <a:extLst>
+              <a:ext uri="{FF2B5EF4-FFF2-40B4-BE49-F238E27FC236}">
+                <a16:creationId xmlns:a16="http://schemas.microsoft.com/office/drawing/2014/main" id="{C66A6645-7865-5D5E-D000-1BA0780464A1}"/>
+              </a:ext>
+            </a:extLst>
+          </p:cNvPr>
+          <p:cNvSpPr txBox="1"/>
+          <p:nvPr/>
+        </p:nvSpPr>
+        <p:spPr>
+          <a:xfrm>
+            <a:off x="774551" y="344245"/>
+            <a:ext cx="7239482" cy="523220"/>
+          </a:xfrm>
+          <a:prstGeom prst="rect">
+            <a:avLst/>
+          </a:prstGeom>
+          <a:noFill/>
+        </p:spPr>
+        <p:txBody>
+          <a:bodyPr wrap="none" rtlCol="0">
+            <a:spAutoFit/>
+          </a:bodyPr>
+          <a:lstStyle/>
+          <a:p>
+            <a:r>
+              <a:rPr lang="zh-CN" altLang="en-US" sz="2800" b="1" dirty="0"/>
+              <a:t>第三章，微分几何（</a:t>
+            </a:r>
+            <a:r>
+              <a:rPr lang="en-US" altLang="zh-CN" sz="2800" b="1" dirty="0"/>
+              <a:t>differential geometry</a:t>
+            </a:r>
+            <a:r>
+              <a:rPr lang="zh-CN" altLang="en-US" sz="2800" b="1" dirty="0"/>
+              <a:t>）</a:t>
+            </a:r>
+          </a:p>
+        </p:txBody>
+      </p:sp>
+      <p:sp>
+        <p:nvSpPr>
+          <p:cNvPr id="3" name="文本框 2">
+            <a:extLst>
+              <a:ext uri="{FF2B5EF4-FFF2-40B4-BE49-F238E27FC236}">
+                <a16:creationId xmlns:a16="http://schemas.microsoft.com/office/drawing/2014/main" id="{86D141F7-985D-8BE7-D272-4621437D38C5}"/>
+              </a:ext>
+            </a:extLst>
+          </p:cNvPr>
+          <p:cNvSpPr txBox="1"/>
+          <p:nvPr/>
+        </p:nvSpPr>
+        <p:spPr>
+          <a:xfrm>
+            <a:off x="774551" y="1237128"/>
+            <a:ext cx="2062809" cy="369332"/>
+          </a:xfrm>
+          <a:prstGeom prst="rect">
+            <a:avLst/>
+          </a:prstGeom>
+          <a:noFill/>
+        </p:spPr>
+        <p:txBody>
+          <a:bodyPr wrap="none" rtlCol="0">
+            <a:spAutoFit/>
+          </a:bodyPr>
+          <a:lstStyle/>
+          <a:p>
+            <a:r>
+              <a:rPr lang="en-US" altLang="zh-CN" b="1" dirty="0">
+                <a:latin typeface="微软雅黑" panose="020B0503020204020204" pitchFamily="34" charset="-122"/>
+                <a:ea typeface="微软雅黑" panose="020B0503020204020204" pitchFamily="34" charset="-122"/>
+              </a:rPr>
+              <a:t>1. </a:t>
+            </a:r>
+            <a:r>
+              <a:rPr lang="zh-CN" altLang="en-US" b="1" dirty="0">
+                <a:latin typeface="微软雅黑" panose="020B0503020204020204" pitchFamily="34" charset="-122"/>
+                <a:ea typeface="微软雅黑" panose="020B0503020204020204" pitchFamily="34" charset="-122"/>
+              </a:rPr>
+              <a:t>曲线（</a:t>
+            </a:r>
+            <a:r>
+              <a:rPr lang="en-US" altLang="zh-CN" b="1" dirty="0">
+                <a:latin typeface="微软雅黑" panose="020B0503020204020204" pitchFamily="34" charset="-122"/>
+                <a:ea typeface="微软雅黑" panose="020B0503020204020204" pitchFamily="34" charset="-122"/>
+              </a:rPr>
+              <a:t>Curve</a:t>
+            </a:r>
+            <a:r>
+              <a:rPr lang="zh-CN" altLang="en-US" b="1" dirty="0">
+                <a:latin typeface="微软雅黑" panose="020B0503020204020204" pitchFamily="34" charset="-122"/>
+                <a:ea typeface="微软雅黑" panose="020B0503020204020204" pitchFamily="34" charset="-122"/>
+              </a:rPr>
+              <a:t>）</a:t>
+            </a:r>
+          </a:p>
+        </p:txBody>
+      </p:sp>
+      <p:sp>
+        <p:nvSpPr>
+          <p:cNvPr id="4" name="文本框 3">
+            <a:extLst>
+              <a:ext uri="{FF2B5EF4-FFF2-40B4-BE49-F238E27FC236}">
+                <a16:creationId xmlns:a16="http://schemas.microsoft.com/office/drawing/2014/main" id="{D8B33440-9291-355F-6E76-C77C10BB3C3F}"/>
+              </a:ext>
+            </a:extLst>
+          </p:cNvPr>
+          <p:cNvSpPr txBox="1"/>
+          <p:nvPr/>
+        </p:nvSpPr>
+        <p:spPr>
+          <a:xfrm>
+            <a:off x="871369" y="1769941"/>
+            <a:ext cx="5171609" cy="369332"/>
+          </a:xfrm>
+          <a:prstGeom prst="rect">
+            <a:avLst/>
+          </a:prstGeom>
+          <a:noFill/>
+        </p:spPr>
+        <p:txBody>
+          <a:bodyPr wrap="none" rtlCol="0">
+            <a:spAutoFit/>
+          </a:bodyPr>
+          <a:lstStyle/>
+          <a:p>
+            <a:r>
+              <a:rPr lang="zh-CN" altLang="en-US" b="1" dirty="0"/>
+              <a:t>（</a:t>
+            </a:r>
+            <a:r>
+              <a:rPr lang="en-US" altLang="zh-CN" b="1" dirty="0"/>
+              <a:t>1</a:t>
+            </a:r>
+            <a:r>
+              <a:rPr lang="zh-CN" altLang="en-US" b="1" dirty="0"/>
+              <a:t>）曲线的数学表示： </a:t>
+            </a:r>
+            <a:r>
+              <a:rPr lang="en-US" altLang="zh-CN" dirty="0"/>
+              <a:t>X = X</a:t>
+            </a:r>
+            <a:r>
+              <a:rPr lang="zh-CN" altLang="en-US" dirty="0"/>
+              <a:t>（</a:t>
+            </a:r>
+            <a:r>
+              <a:rPr lang="en-US" altLang="zh-CN" dirty="0"/>
+              <a:t>u</a:t>
+            </a:r>
+            <a:r>
+              <a:rPr lang="zh-CN" altLang="en-US" dirty="0"/>
+              <a:t>）， </a:t>
+            </a:r>
+            <a:r>
+              <a:rPr lang="en-US" altLang="zh-CN" dirty="0"/>
+              <a:t>u = u</a:t>
+            </a:r>
+            <a:r>
+              <a:rPr lang="zh-CN" altLang="en-US" dirty="0"/>
+              <a:t>（</a:t>
+            </a:r>
+            <a:r>
+              <a:rPr lang="en-US" altLang="zh-CN" dirty="0"/>
+              <a:t>t</a:t>
+            </a:r>
+            <a:r>
+              <a:rPr lang="zh-CN" altLang="en-US" dirty="0"/>
+              <a:t>）</a:t>
+            </a:r>
+          </a:p>
+        </p:txBody>
+      </p:sp>
+      <p:sp>
+        <p:nvSpPr>
+          <p:cNvPr id="5" name="文本框 4">
+            <a:extLst>
+              <a:ext uri="{FF2B5EF4-FFF2-40B4-BE49-F238E27FC236}">
+                <a16:creationId xmlns:a16="http://schemas.microsoft.com/office/drawing/2014/main" id="{F537FA61-3819-BAB2-5C75-396A25295585}"/>
+              </a:ext>
+            </a:extLst>
+          </p:cNvPr>
+          <p:cNvSpPr txBox="1"/>
+          <p:nvPr/>
+        </p:nvSpPr>
+        <p:spPr>
+          <a:xfrm>
+            <a:off x="871369" y="2171878"/>
+            <a:ext cx="5936240" cy="369332"/>
+          </a:xfrm>
+          <a:prstGeom prst="rect">
+            <a:avLst/>
+          </a:prstGeom>
+          <a:noFill/>
+        </p:spPr>
+        <p:txBody>
+          <a:bodyPr wrap="none" rtlCol="0">
+            <a:spAutoFit/>
+          </a:bodyPr>
+          <a:lstStyle/>
+          <a:p>
+            <a:r>
+              <a:rPr lang="zh-CN" altLang="en-US" b="1" dirty="0"/>
+              <a:t>（</a:t>
+            </a:r>
+            <a:r>
+              <a:rPr lang="en-US" altLang="zh-CN" b="1" dirty="0"/>
+              <a:t>2</a:t>
+            </a:r>
+            <a:r>
+              <a:rPr lang="zh-CN" altLang="en-US" b="1" dirty="0"/>
+              <a:t>）弧长（</a:t>
+            </a:r>
+            <a:r>
+              <a:rPr lang="en-US" altLang="zh-CN" b="1" dirty="0"/>
+              <a:t>Arc Length</a:t>
+            </a:r>
+            <a:r>
+              <a:rPr lang="zh-CN" altLang="en-US" b="1" dirty="0"/>
+              <a:t>， </a:t>
+            </a:r>
+            <a:r>
+              <a:rPr lang="en-US" altLang="zh-CN" b="1" dirty="0"/>
+              <a:t>L</a:t>
+            </a:r>
+            <a:r>
+              <a:rPr lang="zh-CN" altLang="en-US" b="1" dirty="0"/>
+              <a:t>）： </a:t>
+            </a:r>
+            <a:r>
+              <a:rPr lang="zh-CN" altLang="en-US" dirty="0"/>
+              <a:t>对一阶导数</a:t>
+            </a:r>
+            <a:r>
+              <a:rPr lang="en-US" altLang="zh-CN" dirty="0"/>
+              <a:t>/</a:t>
+            </a:r>
+            <a:r>
+              <a:rPr lang="zh-CN" altLang="en-US" dirty="0"/>
+              <a:t>斜率的积分</a:t>
+            </a:r>
+          </a:p>
+        </p:txBody>
+      </p:sp>
+      <p:sp>
+        <p:nvSpPr>
+          <p:cNvPr id="8" name="文本框 7">
+            <a:extLst>
+              <a:ext uri="{FF2B5EF4-FFF2-40B4-BE49-F238E27FC236}">
+                <a16:creationId xmlns:a16="http://schemas.microsoft.com/office/drawing/2014/main" id="{DF65B765-86DD-667C-2484-CD40E612DCA6}"/>
+              </a:ext>
+            </a:extLst>
+          </p:cNvPr>
+          <p:cNvSpPr txBox="1"/>
+          <p:nvPr/>
+        </p:nvSpPr>
+        <p:spPr>
+          <a:xfrm>
+            <a:off x="871369" y="2582742"/>
+            <a:ext cx="10083210" cy="369332"/>
+          </a:xfrm>
+          <a:prstGeom prst="rect">
+            <a:avLst/>
+          </a:prstGeom>
+          <a:noFill/>
+        </p:spPr>
+        <p:txBody>
+          <a:bodyPr wrap="none" rtlCol="0">
+            <a:spAutoFit/>
+          </a:bodyPr>
+          <a:lstStyle/>
+          <a:p>
+            <a:r>
+              <a:rPr lang="zh-CN" altLang="en-US" b="1" dirty="0"/>
+              <a:t>（</a:t>
+            </a:r>
+            <a:r>
+              <a:rPr lang="en-US" altLang="zh-CN" b="1" dirty="0"/>
+              <a:t>3</a:t>
+            </a:r>
+            <a:r>
+              <a:rPr lang="zh-CN" altLang="en-US" b="1" dirty="0"/>
+              <a:t>）曲率（</a:t>
+            </a:r>
+            <a:r>
+              <a:rPr lang="en-US" altLang="zh-CN" b="1" dirty="0"/>
+              <a:t>Curvature</a:t>
+            </a:r>
+            <a:r>
+              <a:rPr lang="zh-CN" altLang="en-US" b="1" dirty="0"/>
+              <a:t>， </a:t>
+            </a:r>
+            <a:r>
+              <a:rPr lang="en-US" altLang="zh-CN" b="1" dirty="0"/>
+              <a:t>K</a:t>
+            </a:r>
+            <a:r>
+              <a:rPr lang="zh-CN" altLang="en-US" b="1" dirty="0"/>
+              <a:t>）：</a:t>
+            </a:r>
+            <a:r>
+              <a:rPr lang="zh-CN" altLang="en-US" dirty="0"/>
+              <a:t>某点处的二阶导数，曲率是有方向的； </a:t>
+            </a:r>
+            <a:r>
+              <a:rPr lang="en-US" altLang="zh-CN" b="1" dirty="0"/>
+              <a:t>osculating circle</a:t>
+            </a:r>
+            <a:r>
+              <a:rPr lang="zh-CN" altLang="en-US" dirty="0"/>
+              <a:t>半径：</a:t>
+            </a:r>
+            <a:r>
+              <a:rPr lang="en-US" altLang="zh-CN" dirty="0"/>
+              <a:t>1/K</a:t>
+            </a:r>
+            <a:r>
+              <a:rPr lang="zh-CN" altLang="en-US" dirty="0"/>
+              <a:t> </a:t>
+            </a:r>
+          </a:p>
+        </p:txBody>
+      </p:sp>
+      <p:sp>
+        <p:nvSpPr>
+          <p:cNvPr id="10" name="文本框 9">
+            <a:extLst>
+              <a:ext uri="{FF2B5EF4-FFF2-40B4-BE49-F238E27FC236}">
+                <a16:creationId xmlns:a16="http://schemas.microsoft.com/office/drawing/2014/main" id="{D75F4BB0-9951-7398-1189-BE50E7B305EA}"/>
+              </a:ext>
+            </a:extLst>
+          </p:cNvPr>
+          <p:cNvSpPr txBox="1"/>
+          <p:nvPr/>
+        </p:nvSpPr>
+        <p:spPr>
+          <a:xfrm>
+            <a:off x="774550" y="3137071"/>
+            <a:ext cx="2257028" cy="369332"/>
+          </a:xfrm>
+          <a:prstGeom prst="rect">
+            <a:avLst/>
+          </a:prstGeom>
+          <a:noFill/>
+        </p:spPr>
+        <p:txBody>
+          <a:bodyPr wrap="none" rtlCol="0">
+            <a:spAutoFit/>
+          </a:bodyPr>
+          <a:lstStyle/>
+          <a:p>
+            <a:r>
+              <a:rPr lang="en-US" altLang="zh-CN" b="1" dirty="0">
+                <a:latin typeface="微软雅黑" panose="020B0503020204020204" pitchFamily="34" charset="-122"/>
+                <a:ea typeface="微软雅黑" panose="020B0503020204020204" pitchFamily="34" charset="-122"/>
+              </a:rPr>
+              <a:t>2. </a:t>
+            </a:r>
+            <a:r>
+              <a:rPr lang="zh-CN" altLang="en-US" b="1" dirty="0">
+                <a:latin typeface="微软雅黑" panose="020B0503020204020204" pitchFamily="34" charset="-122"/>
+                <a:ea typeface="微软雅黑" panose="020B0503020204020204" pitchFamily="34" charset="-122"/>
+              </a:rPr>
+              <a:t>表面（</a:t>
+            </a:r>
+            <a:r>
+              <a:rPr lang="en-US" altLang="zh-CN" b="1" dirty="0">
+                <a:latin typeface="微软雅黑" panose="020B0503020204020204" pitchFamily="34" charset="-122"/>
+                <a:ea typeface="微软雅黑" panose="020B0503020204020204" pitchFamily="34" charset="-122"/>
+              </a:rPr>
+              <a:t>Surface</a:t>
+            </a:r>
+            <a:r>
+              <a:rPr lang="zh-CN" altLang="en-US" b="1" dirty="0">
+                <a:latin typeface="微软雅黑" panose="020B0503020204020204" pitchFamily="34" charset="-122"/>
+                <a:ea typeface="微软雅黑" panose="020B0503020204020204" pitchFamily="34" charset="-122"/>
+              </a:rPr>
+              <a:t>）</a:t>
+            </a:r>
+          </a:p>
+        </p:txBody>
+      </p:sp>
+      <p:sp>
+        <p:nvSpPr>
+          <p:cNvPr id="11" name="文本框 10">
+            <a:extLst>
+              <a:ext uri="{FF2B5EF4-FFF2-40B4-BE49-F238E27FC236}">
+                <a16:creationId xmlns:a16="http://schemas.microsoft.com/office/drawing/2014/main" id="{E62B7ACA-4674-5F25-91AB-DC177207649A}"/>
+              </a:ext>
+            </a:extLst>
+          </p:cNvPr>
+          <p:cNvSpPr txBox="1"/>
+          <p:nvPr/>
+        </p:nvSpPr>
+        <p:spPr>
+          <a:xfrm>
+            <a:off x="871369" y="3702489"/>
+            <a:ext cx="6043642" cy="369332"/>
+          </a:xfrm>
+          <a:prstGeom prst="rect">
+            <a:avLst/>
+          </a:prstGeom>
+          <a:noFill/>
+        </p:spPr>
+        <p:txBody>
+          <a:bodyPr wrap="none" rtlCol="0">
+            <a:spAutoFit/>
+          </a:bodyPr>
+          <a:lstStyle/>
+          <a:p>
+            <a:r>
+              <a:rPr lang="zh-CN" altLang="en-US" b="1" dirty="0"/>
+              <a:t>（</a:t>
+            </a:r>
+            <a:r>
+              <a:rPr lang="en-US" altLang="zh-CN" b="1" dirty="0"/>
+              <a:t>1</a:t>
+            </a:r>
+            <a:r>
+              <a:rPr lang="zh-CN" altLang="en-US" b="1" dirty="0"/>
+              <a:t>）表面的参数化表示（</a:t>
+            </a:r>
+            <a:r>
+              <a:rPr lang="en-US" altLang="zh-CN" b="1" dirty="0"/>
+              <a:t>parametric representation</a:t>
+            </a:r>
+            <a:r>
+              <a:rPr lang="zh-CN" altLang="en-US" b="1" dirty="0"/>
+              <a:t>）</a:t>
+            </a:r>
+            <a:r>
+              <a:rPr lang="zh-CN" altLang="en-US" dirty="0"/>
+              <a:t>：</a:t>
+            </a:r>
+          </a:p>
+        </p:txBody>
+      </p:sp>
+      <p:pic>
+        <p:nvPicPr>
+          <p:cNvPr id="13" name="图片 12">
+            <a:extLst>
+              <a:ext uri="{FF2B5EF4-FFF2-40B4-BE49-F238E27FC236}">
+                <a16:creationId xmlns:a16="http://schemas.microsoft.com/office/drawing/2014/main" id="{7B58AD0B-2597-BD41-6F22-C83364253E71}"/>
+              </a:ext>
+            </a:extLst>
+          </p:cNvPr>
+          <p:cNvPicPr>
+            <a:picLocks noChangeAspect="1"/>
+          </p:cNvPicPr>
+          <p:nvPr/>
+        </p:nvPicPr>
+        <p:blipFill>
+          <a:blip r:embed="rId2"/>
+          <a:stretch>
+            <a:fillRect/>
+          </a:stretch>
+        </p:blipFill>
+        <p:spPr>
+          <a:xfrm>
+            <a:off x="1710903" y="4646486"/>
+            <a:ext cx="3979893" cy="2123984"/>
+          </a:xfrm>
+          <a:prstGeom prst="rect">
+            <a:avLst/>
+          </a:prstGeom>
+        </p:spPr>
+      </p:pic>
+      <p:sp>
+        <p:nvSpPr>
+          <p:cNvPr id="15" name="文本框 14">
+            <a:extLst>
+              <a:ext uri="{FF2B5EF4-FFF2-40B4-BE49-F238E27FC236}">
+                <a16:creationId xmlns:a16="http://schemas.microsoft.com/office/drawing/2014/main" id="{53F44949-FD26-88A7-A129-7D0AD2ED15F9}"/>
+              </a:ext>
+            </a:extLst>
+          </p:cNvPr>
+          <p:cNvSpPr txBox="1"/>
+          <p:nvPr/>
+        </p:nvSpPr>
+        <p:spPr>
+          <a:xfrm>
+            <a:off x="2067232" y="4196522"/>
+            <a:ext cx="3544514" cy="369332"/>
+          </a:xfrm>
+          <a:prstGeom prst="rect">
+            <a:avLst/>
+          </a:prstGeom>
+          <a:noFill/>
+        </p:spPr>
+        <p:txBody>
+          <a:bodyPr wrap="square">
+            <a:spAutoFit/>
+          </a:bodyPr>
+          <a:lstStyle/>
+          <a:p>
+            <a:r>
+              <a:rPr lang="zh-CN" altLang="en-US" b="1" dirty="0"/>
+              <a:t>极坐标系和笛卡尔坐标系的转换</a:t>
+            </a:r>
+          </a:p>
+        </p:txBody>
+      </p:sp>
+      <p:sp>
+        <p:nvSpPr>
+          <p:cNvPr id="16" name="文本框 15">
+            <a:extLst>
+              <a:ext uri="{FF2B5EF4-FFF2-40B4-BE49-F238E27FC236}">
+                <a16:creationId xmlns:a16="http://schemas.microsoft.com/office/drawing/2014/main" id="{67784335-EF23-7AA7-1402-17F5BD25818B}"/>
+              </a:ext>
+            </a:extLst>
+          </p:cNvPr>
+          <p:cNvSpPr txBox="1"/>
+          <p:nvPr/>
+        </p:nvSpPr>
+        <p:spPr>
+          <a:xfrm>
+            <a:off x="6807609" y="4979154"/>
+            <a:ext cx="3885916" cy="1296637"/>
+          </a:xfrm>
+          <a:prstGeom prst="rect">
+            <a:avLst/>
+          </a:prstGeom>
+          <a:noFill/>
+        </p:spPr>
+        <p:txBody>
+          <a:bodyPr wrap="square" rtlCol="0">
+            <a:spAutoFit/>
+          </a:bodyPr>
+          <a:lstStyle/>
+          <a:p>
+            <a:pPr algn="ctr">
+              <a:lnSpc>
+                <a:spcPct val="150000"/>
+              </a:lnSpc>
+            </a:pPr>
+            <a:r>
+              <a:rPr lang="zh-CN" altLang="en-US" dirty="0"/>
+              <a:t>两个相邻的点，在左图表现为等间距，而在右图球面上明显不是等间距的，所以发生了</a:t>
+            </a:r>
+            <a:r>
+              <a:rPr lang="zh-CN" altLang="en-US" b="1" dirty="0"/>
+              <a:t>变形（</a:t>
+            </a:r>
+            <a:r>
+              <a:rPr lang="en-US" altLang="zh-CN" b="1" dirty="0"/>
+              <a:t>distorted</a:t>
+            </a:r>
+            <a:r>
+              <a:rPr lang="zh-CN" altLang="en-US" b="1" dirty="0"/>
+              <a:t>）</a:t>
+            </a:r>
+          </a:p>
+        </p:txBody>
+      </p:sp>
+    </p:spTree>
+    <p:extLst>
+      <p:ext uri="{BB962C8B-B14F-4D97-AF65-F5344CB8AC3E}">
+        <p14:creationId xmlns:p14="http://schemas.microsoft.com/office/powerpoint/2010/main" val="2451786794"/>
+      </p:ext>
+    </p:extLst>
+  </p:cSld>
+  <p:clrMapOvr>
+    <a:masterClrMapping/>
+  </p:clrMapOvr>
+</p:sld>
+</file>
+
+<file path=ppt/slides/slide5.xml><?xml version="1.0" encoding="utf-8"?>
+<p:sld xmlns:a="http://schemas.openxmlformats.org/drawingml/2006/main" xmlns:r="http://schemas.openxmlformats.org/officeDocument/2006/relationships" xmlns:p="http://schemas.openxmlformats.org/presentationml/2006/main">
+  <p:cSld>
+    <p:spTree>
+      <p:nvGrpSpPr>
+        <p:cNvPr id="1" name=""/>
+        <p:cNvGrpSpPr/>
+        <p:nvPr/>
+      </p:nvGrpSpPr>
+      <p:grpSpPr>
+        <a:xfrm>
+          <a:off x="0" y="0"/>
+          <a:ext cx="0" cy="0"/>
+          <a:chOff x="0" y="0"/>
+          <a:chExt cx="0" cy="0"/>
+        </a:xfrm>
+      </p:grpSpPr>
+      <p:sp>
+        <p:nvSpPr>
+          <p:cNvPr id="7" name="文本框 6">
+            <a:extLst>
+              <a:ext uri="{FF2B5EF4-FFF2-40B4-BE49-F238E27FC236}">
+                <a16:creationId xmlns:a16="http://schemas.microsoft.com/office/drawing/2014/main" id="{C66A6645-7865-5D5E-D000-1BA0780464A1}"/>
+              </a:ext>
+            </a:extLst>
+          </p:cNvPr>
+          <p:cNvSpPr txBox="1"/>
+          <p:nvPr/>
+        </p:nvSpPr>
+        <p:spPr>
+          <a:xfrm>
+            <a:off x="774551" y="344245"/>
+            <a:ext cx="7239482" cy="523220"/>
+          </a:xfrm>
+          <a:prstGeom prst="rect">
+            <a:avLst/>
+          </a:prstGeom>
+          <a:noFill/>
+        </p:spPr>
+        <p:txBody>
+          <a:bodyPr wrap="none" rtlCol="0">
+            <a:spAutoFit/>
+          </a:bodyPr>
+          <a:lstStyle/>
+          <a:p>
+            <a:r>
+              <a:rPr lang="zh-CN" altLang="en-US" sz="2800" b="1" dirty="0"/>
+              <a:t>第三章，微分几何（</a:t>
+            </a:r>
+            <a:r>
+              <a:rPr lang="en-US" altLang="zh-CN" sz="2800" b="1" dirty="0"/>
+              <a:t>differential geometry</a:t>
+            </a:r>
+            <a:r>
+              <a:rPr lang="zh-CN" altLang="en-US" sz="2800" b="1" dirty="0"/>
+              <a:t>）</a:t>
+            </a:r>
+          </a:p>
+        </p:txBody>
+      </p:sp>
+      <p:sp>
+        <p:nvSpPr>
+          <p:cNvPr id="2" name="文本框 1">
+            <a:extLst>
+              <a:ext uri="{FF2B5EF4-FFF2-40B4-BE49-F238E27FC236}">
+                <a16:creationId xmlns:a16="http://schemas.microsoft.com/office/drawing/2014/main" id="{3E6E5A50-CFE2-97EF-9FB6-47A46134513E}"/>
+              </a:ext>
+            </a:extLst>
+          </p:cNvPr>
+          <p:cNvSpPr txBox="1"/>
+          <p:nvPr/>
+        </p:nvSpPr>
+        <p:spPr>
+          <a:xfrm>
+            <a:off x="774551" y="1127168"/>
+            <a:ext cx="4444165" cy="369332"/>
+          </a:xfrm>
+          <a:prstGeom prst="rect">
+            <a:avLst/>
+          </a:prstGeom>
+          <a:noFill/>
+        </p:spPr>
+        <p:txBody>
+          <a:bodyPr wrap="none" rtlCol="0">
+            <a:spAutoFit/>
+          </a:bodyPr>
+          <a:lstStyle/>
+          <a:p>
+            <a:r>
+              <a:rPr lang="en-US" altLang="zh-CN" b="1" dirty="0">
+                <a:latin typeface="微软雅黑" panose="020B0503020204020204" pitchFamily="34" charset="-122"/>
+                <a:ea typeface="微软雅黑" panose="020B0503020204020204" pitchFamily="34" charset="-122"/>
+              </a:rPr>
+              <a:t>(2) </a:t>
+            </a:r>
+            <a:r>
+              <a:rPr lang="zh-CN" altLang="en-US" b="1" dirty="0">
+                <a:latin typeface="微软雅黑" panose="020B0503020204020204" pitchFamily="34" charset="-122"/>
+                <a:ea typeface="微软雅黑" panose="020B0503020204020204" pitchFamily="34" charset="-122"/>
+              </a:rPr>
+              <a:t>表面几何特性（</a:t>
+            </a:r>
+            <a:r>
+              <a:rPr lang="en-US" altLang="zh-CN" b="1" dirty="0">
+                <a:latin typeface="微软雅黑" panose="020B0503020204020204" pitchFamily="34" charset="-122"/>
+                <a:ea typeface="微软雅黑" panose="020B0503020204020204" pitchFamily="34" charset="-122"/>
+              </a:rPr>
+              <a:t>metric properties</a:t>
+            </a:r>
+            <a:r>
+              <a:rPr lang="zh-CN" altLang="en-US" b="1" dirty="0">
+                <a:latin typeface="微软雅黑" panose="020B0503020204020204" pitchFamily="34" charset="-122"/>
+                <a:ea typeface="微软雅黑" panose="020B0503020204020204" pitchFamily="34" charset="-122"/>
+              </a:rPr>
+              <a:t>）</a:t>
+            </a:r>
+          </a:p>
+        </p:txBody>
+      </p:sp>
+      <p:sp>
+        <p:nvSpPr>
+          <p:cNvPr id="22" name="文本框 21">
+            <a:extLst>
+              <a:ext uri="{FF2B5EF4-FFF2-40B4-BE49-F238E27FC236}">
+                <a16:creationId xmlns:a16="http://schemas.microsoft.com/office/drawing/2014/main" id="{D42C831A-7E43-2FC2-6D78-BF43EF0B57F7}"/>
+              </a:ext>
+            </a:extLst>
+          </p:cNvPr>
+          <p:cNvSpPr txBox="1"/>
+          <p:nvPr/>
+        </p:nvSpPr>
+        <p:spPr>
+          <a:xfrm>
+            <a:off x="1333948" y="1893346"/>
+            <a:ext cx="1568058" cy="369332"/>
+          </a:xfrm>
+          <a:prstGeom prst="rect">
+            <a:avLst/>
+          </a:prstGeom>
+          <a:noFill/>
+        </p:spPr>
+        <p:txBody>
+          <a:bodyPr wrap="none" rtlCol="0">
+            <a:spAutoFit/>
+          </a:bodyPr>
+          <a:lstStyle/>
+          <a:p>
+            <a:r>
+              <a:rPr lang="en-US" altLang="zh-CN" b="1" dirty="0">
+                <a:latin typeface="微软雅黑" panose="020B0503020204020204" pitchFamily="34" charset="-122"/>
+                <a:ea typeface="微软雅黑" panose="020B0503020204020204" pitchFamily="34" charset="-122"/>
+              </a:rPr>
+              <a:t>-. </a:t>
+            </a:r>
+            <a:r>
+              <a:rPr lang="zh-CN" altLang="en-US" b="1" dirty="0">
+                <a:latin typeface="微软雅黑" panose="020B0503020204020204" pitchFamily="34" charset="-122"/>
+                <a:ea typeface="微软雅黑" panose="020B0503020204020204" pitchFamily="34" charset="-122"/>
+              </a:rPr>
+              <a:t>雅可比矩阵</a:t>
+            </a:r>
+          </a:p>
+        </p:txBody>
+      </p:sp>
+      <p:sp>
+        <p:nvSpPr>
+          <p:cNvPr id="23" name="文本框 22">
+            <a:extLst>
+              <a:ext uri="{FF2B5EF4-FFF2-40B4-BE49-F238E27FC236}">
+                <a16:creationId xmlns:a16="http://schemas.microsoft.com/office/drawing/2014/main" id="{8315ADE4-205F-8677-145A-543E92490E98}"/>
+              </a:ext>
+            </a:extLst>
+          </p:cNvPr>
+          <p:cNvSpPr txBox="1"/>
+          <p:nvPr/>
+        </p:nvSpPr>
+        <p:spPr>
+          <a:xfrm>
+            <a:off x="1333948" y="2581836"/>
+            <a:ext cx="3189015" cy="369332"/>
+          </a:xfrm>
+          <a:prstGeom prst="rect">
+            <a:avLst/>
+          </a:prstGeom>
+          <a:noFill/>
+        </p:spPr>
+        <p:txBody>
+          <a:bodyPr wrap="none" rtlCol="0">
+            <a:spAutoFit/>
+          </a:bodyPr>
+          <a:lstStyle/>
+          <a:p>
+            <a:r>
+              <a:rPr lang="en-US" altLang="zh-CN" b="1" dirty="0">
+                <a:latin typeface="微软雅黑" panose="020B0503020204020204" pitchFamily="34" charset="-122"/>
+                <a:ea typeface="微软雅黑" panose="020B0503020204020204" pitchFamily="34" charset="-122"/>
+              </a:rPr>
+              <a:t>-. </a:t>
+            </a:r>
+            <a:r>
+              <a:rPr lang="en-US" altLang="zh-CN" sz="1800" b="1" i="0" dirty="0">
+                <a:effectLst/>
+                <a:latin typeface="微软雅黑" panose="020B0503020204020204" pitchFamily="34" charset="-122"/>
+                <a:ea typeface="微软雅黑" panose="020B0503020204020204" pitchFamily="34" charset="-122"/>
+              </a:rPr>
+              <a:t>First fundamental form</a:t>
+            </a:r>
+            <a:r>
+              <a:rPr lang="en-US" altLang="zh-CN" b="1" dirty="0">
+                <a:latin typeface="微软雅黑" panose="020B0503020204020204" pitchFamily="34" charset="-122"/>
+                <a:ea typeface="微软雅黑" panose="020B0503020204020204" pitchFamily="34" charset="-122"/>
+              </a:rPr>
+              <a:t> </a:t>
+            </a:r>
+            <a:endParaRPr lang="zh-CN" altLang="en-US" b="1" dirty="0">
+              <a:latin typeface="微软雅黑" panose="020B0503020204020204" pitchFamily="34" charset="-122"/>
+              <a:ea typeface="微软雅黑" panose="020B0503020204020204" pitchFamily="34" charset="-122"/>
+            </a:endParaRPr>
+          </a:p>
+        </p:txBody>
+      </p:sp>
+      <p:sp>
+        <p:nvSpPr>
+          <p:cNvPr id="24" name="文本框 23">
+            <a:extLst>
+              <a:ext uri="{FF2B5EF4-FFF2-40B4-BE49-F238E27FC236}">
+                <a16:creationId xmlns:a16="http://schemas.microsoft.com/office/drawing/2014/main" id="{97760C00-485A-7961-33B6-E08E28A3BAD1}"/>
+              </a:ext>
+            </a:extLst>
+          </p:cNvPr>
+          <p:cNvSpPr txBox="1"/>
+          <p:nvPr/>
+        </p:nvSpPr>
+        <p:spPr>
+          <a:xfrm>
+            <a:off x="1333948" y="3614572"/>
+            <a:ext cx="2903808" cy="369332"/>
+          </a:xfrm>
+          <a:prstGeom prst="rect">
+            <a:avLst/>
+          </a:prstGeom>
+          <a:noFill/>
+        </p:spPr>
+        <p:txBody>
+          <a:bodyPr wrap="none" rtlCol="0">
+            <a:spAutoFit/>
+          </a:bodyPr>
+          <a:lstStyle/>
+          <a:p>
+            <a:r>
+              <a:rPr lang="en-US" altLang="zh-CN" b="1" dirty="0">
+                <a:latin typeface="微软雅黑" panose="020B0503020204020204" pitchFamily="34" charset="-122"/>
+                <a:ea typeface="微软雅黑" panose="020B0503020204020204" pitchFamily="34" charset="-122"/>
+              </a:rPr>
+              <a:t>-.</a:t>
+            </a:r>
+            <a:r>
+              <a:rPr lang="zh-CN" altLang="en-US" b="1" dirty="0">
+                <a:latin typeface="微软雅黑" panose="020B0503020204020204" pitchFamily="34" charset="-122"/>
+                <a:ea typeface="微软雅黑" panose="020B0503020204020204" pitchFamily="34" charset="-122"/>
+              </a:rPr>
+              <a:t>各向异性</a:t>
+            </a:r>
+            <a:r>
+              <a:rPr lang="en-US" altLang="zh-CN" b="1" dirty="0">
+                <a:latin typeface="微软雅黑" panose="020B0503020204020204" pitchFamily="34" charset="-122"/>
+                <a:ea typeface="微软雅黑" panose="020B0503020204020204" pitchFamily="34" charset="-122"/>
+              </a:rPr>
+              <a:t>--</a:t>
+            </a:r>
+            <a:r>
+              <a:rPr lang="en-US" altLang="zh-CN" sz="1800" b="1" i="0" dirty="0">
+                <a:effectLst/>
+                <a:latin typeface="微软雅黑" panose="020B0503020204020204" pitchFamily="34" charset="-122"/>
+                <a:ea typeface="微软雅黑" panose="020B0503020204020204" pitchFamily="34" charset="-122"/>
+              </a:rPr>
+              <a:t>Anisotropy</a:t>
+            </a:r>
+            <a:r>
+              <a:rPr lang="en-US" altLang="zh-CN" b="1" dirty="0">
+                <a:latin typeface="微软雅黑" panose="020B0503020204020204" pitchFamily="34" charset="-122"/>
+                <a:ea typeface="微软雅黑" panose="020B0503020204020204" pitchFamily="34" charset="-122"/>
+              </a:rPr>
+              <a:t>  </a:t>
+            </a:r>
+            <a:endParaRPr lang="zh-CN" altLang="en-US" b="1" dirty="0">
+              <a:latin typeface="微软雅黑" panose="020B0503020204020204" pitchFamily="34" charset="-122"/>
+              <a:ea typeface="微软雅黑" panose="020B0503020204020204" pitchFamily="34" charset="-122"/>
+            </a:endParaRPr>
+          </a:p>
+        </p:txBody>
+      </p:sp>
+      <p:sp>
+        <p:nvSpPr>
+          <p:cNvPr id="25" name="文本框 24">
+            <a:extLst>
+              <a:ext uri="{FF2B5EF4-FFF2-40B4-BE49-F238E27FC236}">
+                <a16:creationId xmlns:a16="http://schemas.microsoft.com/office/drawing/2014/main" id="{7F595E25-EB79-2934-2300-5DE8DB7F02BC}"/>
+              </a:ext>
+            </a:extLst>
+          </p:cNvPr>
+          <p:cNvSpPr txBox="1"/>
+          <p:nvPr/>
+        </p:nvSpPr>
+        <p:spPr>
+          <a:xfrm>
+            <a:off x="1544102" y="3110770"/>
+            <a:ext cx="7699544" cy="369332"/>
+          </a:xfrm>
+          <a:prstGeom prst="rect">
+            <a:avLst/>
+          </a:prstGeom>
+          <a:noFill/>
+        </p:spPr>
+        <p:txBody>
+          <a:bodyPr wrap="none" rtlCol="0">
+            <a:spAutoFit/>
+          </a:bodyPr>
+          <a:lstStyle/>
+          <a:p>
+            <a:r>
+              <a:rPr lang="zh-CN" altLang="en-US" dirty="0"/>
+              <a:t>从二维参数空间中得向量，可以计算到三维空间中的角度、距离、和面积</a:t>
+            </a:r>
+          </a:p>
+        </p:txBody>
+      </p:sp>
+      <p:pic>
+        <p:nvPicPr>
+          <p:cNvPr id="27" name="图片 26">
+            <a:extLst>
+              <a:ext uri="{FF2B5EF4-FFF2-40B4-BE49-F238E27FC236}">
+                <a16:creationId xmlns:a16="http://schemas.microsoft.com/office/drawing/2014/main" id="{3D14FC9E-57FD-D447-9D4E-31B840AD033C}"/>
+              </a:ext>
+            </a:extLst>
+          </p:cNvPr>
+          <p:cNvPicPr>
+            <a:picLocks noChangeAspect="1"/>
+          </p:cNvPicPr>
+          <p:nvPr/>
+        </p:nvPicPr>
+        <p:blipFill>
+          <a:blip r:embed="rId2"/>
+          <a:stretch>
+            <a:fillRect/>
+          </a:stretch>
+        </p:blipFill>
+        <p:spPr>
+          <a:xfrm>
+            <a:off x="1459605" y="4237813"/>
+            <a:ext cx="4543162" cy="2275942"/>
+          </a:xfrm>
+          <a:prstGeom prst="rect">
+            <a:avLst/>
+          </a:prstGeom>
+        </p:spPr>
+      </p:pic>
+      <p:sp>
+        <p:nvSpPr>
+          <p:cNvPr id="28" name="文本框 27">
+            <a:extLst>
+              <a:ext uri="{FF2B5EF4-FFF2-40B4-BE49-F238E27FC236}">
+                <a16:creationId xmlns:a16="http://schemas.microsoft.com/office/drawing/2014/main" id="{3738775B-5EB9-56B0-62CD-E9473544AF49}"/>
+              </a:ext>
+            </a:extLst>
+          </p:cNvPr>
+          <p:cNvSpPr txBox="1"/>
+          <p:nvPr/>
+        </p:nvSpPr>
+        <p:spPr>
+          <a:xfrm>
+            <a:off x="6551407" y="5354075"/>
+            <a:ext cx="4758034" cy="369332"/>
+          </a:xfrm>
+          <a:prstGeom prst="rect">
+            <a:avLst/>
+          </a:prstGeom>
+          <a:noFill/>
+        </p:spPr>
+        <p:txBody>
+          <a:bodyPr wrap="none" rtlCol="0">
+            <a:spAutoFit/>
+          </a:bodyPr>
+          <a:lstStyle/>
+          <a:p>
+            <a:r>
+              <a:rPr lang="zh-CN" altLang="en-US" b="1" dirty="0"/>
+              <a:t>两个相互垂直的单位向量 映射后 变成了 椭圆</a:t>
+            </a:r>
+          </a:p>
+        </p:txBody>
+      </p:sp>
+    </p:spTree>
+    <p:extLst>
+      <p:ext uri="{BB962C8B-B14F-4D97-AF65-F5344CB8AC3E}">
+        <p14:creationId xmlns:p14="http://schemas.microsoft.com/office/powerpoint/2010/main" val="467761880"/>
+      </p:ext>
+    </p:extLst>
+  </p:cSld>
+  <p:clrMapOvr>
+    <a:masterClrMapping/>
+  </p:clrMapOvr>
+</p:sld>
+</file>
+
+<file path=ppt/slides/slide6.xml><?xml version="1.0" encoding="utf-8"?>
+<p:sld xmlns:a="http://schemas.openxmlformats.org/drawingml/2006/main" xmlns:r="http://schemas.openxmlformats.org/officeDocument/2006/relationships" xmlns:p="http://schemas.openxmlformats.org/presentationml/2006/main">
+  <p:cSld>
+    <p:spTree>
+      <p:nvGrpSpPr>
+        <p:cNvPr id="1" name=""/>
+        <p:cNvGrpSpPr/>
+        <p:nvPr/>
+      </p:nvGrpSpPr>
+      <p:grpSpPr>
+        <a:xfrm>
+          <a:off x="0" y="0"/>
+          <a:ext cx="0" cy="0"/>
+          <a:chOff x="0" y="0"/>
+          <a:chExt cx="0" cy="0"/>
+        </a:xfrm>
+      </p:grpSpPr>
+      <p:sp>
+        <p:nvSpPr>
+          <p:cNvPr id="7" name="文本框 6">
+            <a:extLst>
+              <a:ext uri="{FF2B5EF4-FFF2-40B4-BE49-F238E27FC236}">
+                <a16:creationId xmlns:a16="http://schemas.microsoft.com/office/drawing/2014/main" id="{C66A6645-7865-5D5E-D000-1BA0780464A1}"/>
+              </a:ext>
+            </a:extLst>
+          </p:cNvPr>
+          <p:cNvSpPr txBox="1"/>
+          <p:nvPr/>
+        </p:nvSpPr>
+        <p:spPr>
+          <a:xfrm>
+            <a:off x="774551" y="344245"/>
+            <a:ext cx="7239482" cy="523220"/>
+          </a:xfrm>
+          <a:prstGeom prst="rect">
+            <a:avLst/>
+          </a:prstGeom>
+          <a:noFill/>
+        </p:spPr>
+        <p:txBody>
+          <a:bodyPr wrap="none" rtlCol="0">
+            <a:spAutoFit/>
+          </a:bodyPr>
+          <a:lstStyle/>
+          <a:p>
+            <a:r>
+              <a:rPr lang="zh-CN" altLang="en-US" sz="2800" b="1" dirty="0"/>
+              <a:t>第三章，微分几何（</a:t>
+            </a:r>
+            <a:r>
+              <a:rPr lang="en-US" altLang="zh-CN" sz="2800" b="1" dirty="0"/>
+              <a:t>differential geometry</a:t>
+            </a:r>
+            <a:r>
+              <a:rPr lang="zh-CN" altLang="en-US" sz="2800" b="1" dirty="0"/>
+              <a:t>）</a:t>
+            </a:r>
+          </a:p>
+        </p:txBody>
+      </p:sp>
+      <p:sp>
+        <p:nvSpPr>
+          <p:cNvPr id="3" name="文本框 2">
+            <a:extLst>
+              <a:ext uri="{FF2B5EF4-FFF2-40B4-BE49-F238E27FC236}">
+                <a16:creationId xmlns:a16="http://schemas.microsoft.com/office/drawing/2014/main" id="{93F18D74-8515-5B3A-656B-6358B83AD6E6}"/>
+              </a:ext>
+            </a:extLst>
+          </p:cNvPr>
+          <p:cNvSpPr txBox="1"/>
+          <p:nvPr/>
+        </p:nvSpPr>
+        <p:spPr>
+          <a:xfrm>
+            <a:off x="1430767" y="1527586"/>
+            <a:ext cx="1337226" cy="369332"/>
+          </a:xfrm>
+          <a:prstGeom prst="rect">
+            <a:avLst/>
+          </a:prstGeom>
+          <a:noFill/>
+        </p:spPr>
+        <p:txBody>
+          <a:bodyPr wrap="none" rtlCol="0">
+            <a:spAutoFit/>
+          </a:bodyPr>
+          <a:lstStyle/>
+          <a:p>
+            <a:r>
+              <a:rPr lang="en-US" altLang="zh-CN" b="1" dirty="0">
+                <a:latin typeface="微软雅黑" panose="020B0503020204020204" pitchFamily="34" charset="-122"/>
+                <a:ea typeface="微软雅黑" panose="020B0503020204020204" pitchFamily="34" charset="-122"/>
+              </a:rPr>
+              <a:t>-.</a:t>
+            </a:r>
+            <a:r>
+              <a:rPr lang="zh-CN" altLang="en-US" b="1" dirty="0">
+                <a:latin typeface="微软雅黑" panose="020B0503020204020204" pitchFamily="34" charset="-122"/>
+                <a:ea typeface="微软雅黑" panose="020B0503020204020204" pitchFamily="34" charset="-122"/>
+              </a:rPr>
+              <a:t> 表面曲率</a:t>
+            </a:r>
+          </a:p>
+        </p:txBody>
+      </p:sp>
+      <p:sp>
+        <p:nvSpPr>
+          <p:cNvPr id="5" name="文本框 4">
+            <a:extLst>
+              <a:ext uri="{FF2B5EF4-FFF2-40B4-BE49-F238E27FC236}">
+                <a16:creationId xmlns:a16="http://schemas.microsoft.com/office/drawing/2014/main" id="{583091A2-0EE9-1005-8C8F-AA554ECE27FF}"/>
+              </a:ext>
+            </a:extLst>
+          </p:cNvPr>
+          <p:cNvSpPr txBox="1"/>
+          <p:nvPr/>
+        </p:nvSpPr>
+        <p:spPr>
+          <a:xfrm>
+            <a:off x="1430766" y="2269427"/>
+            <a:ext cx="3883511" cy="369332"/>
+          </a:xfrm>
+          <a:prstGeom prst="rect">
+            <a:avLst/>
+          </a:prstGeom>
+          <a:noFill/>
+        </p:spPr>
+        <p:txBody>
+          <a:bodyPr wrap="square">
+            <a:spAutoFit/>
+          </a:bodyPr>
+          <a:lstStyle/>
+          <a:p>
+            <a:r>
+              <a:rPr lang="en-US" altLang="zh-CN" sz="1800" b="1" dirty="0">
+                <a:solidFill>
+                  <a:srgbClr val="000000"/>
+                </a:solidFill>
+                <a:effectLst/>
+                <a:latin typeface="微软雅黑" panose="020B0503020204020204" pitchFamily="34" charset="-122"/>
+                <a:ea typeface="微软雅黑" panose="020B0503020204020204" pitchFamily="34" charset="-122"/>
+              </a:rPr>
+              <a:t>-</a:t>
+            </a:r>
+            <a:r>
+              <a:rPr lang="en-US" altLang="zh-CN" b="1" dirty="0">
+                <a:solidFill>
+                  <a:srgbClr val="000000"/>
+                </a:solidFill>
+                <a:latin typeface="微软雅黑" panose="020B0503020204020204" pitchFamily="34" charset="-122"/>
+                <a:ea typeface="微软雅黑" panose="020B0503020204020204" pitchFamily="34" charset="-122"/>
+              </a:rPr>
+              <a:t>.</a:t>
+            </a:r>
+            <a:r>
+              <a:rPr lang="zh-CN" altLang="en-US" b="1" dirty="0">
+                <a:solidFill>
+                  <a:srgbClr val="000000"/>
+                </a:solidFill>
+                <a:latin typeface="微软雅黑" panose="020B0503020204020204" pitchFamily="34" charset="-122"/>
+                <a:ea typeface="微软雅黑" panose="020B0503020204020204" pitchFamily="34" charset="-122"/>
+              </a:rPr>
+              <a:t> </a:t>
+            </a:r>
+            <a:r>
+              <a:rPr lang="en-US" altLang="zh-CN" sz="1800" b="1" dirty="0">
+                <a:solidFill>
+                  <a:srgbClr val="000000"/>
+                </a:solidFill>
+                <a:effectLst/>
+                <a:latin typeface="微软雅黑" panose="020B0503020204020204" pitchFamily="34" charset="-122"/>
+                <a:ea typeface="微软雅黑" panose="020B0503020204020204" pitchFamily="34" charset="-122"/>
+              </a:rPr>
+              <a:t>second fundamental form </a:t>
+            </a:r>
+            <a:endParaRPr lang="zh-CN" altLang="en-US" b="1" dirty="0">
+              <a:latin typeface="微软雅黑" panose="020B0503020204020204" pitchFamily="34" charset="-122"/>
+              <a:ea typeface="微软雅黑" panose="020B0503020204020204" pitchFamily="34" charset="-122"/>
+            </a:endParaRPr>
+          </a:p>
+        </p:txBody>
+      </p:sp>
+      <p:pic>
+        <p:nvPicPr>
+          <p:cNvPr id="8" name="图片 7">
+            <a:extLst>
+              <a:ext uri="{FF2B5EF4-FFF2-40B4-BE49-F238E27FC236}">
+                <a16:creationId xmlns:a16="http://schemas.microsoft.com/office/drawing/2014/main" id="{A6ADFE5E-7138-F498-8C2D-49DCFDD31363}"/>
+              </a:ext>
+            </a:extLst>
+          </p:cNvPr>
+          <p:cNvPicPr>
+            <a:picLocks noChangeAspect="1"/>
+          </p:cNvPicPr>
+          <p:nvPr/>
+        </p:nvPicPr>
+        <p:blipFill>
+          <a:blip r:embed="rId2"/>
+          <a:stretch>
+            <a:fillRect/>
+          </a:stretch>
+        </p:blipFill>
+        <p:spPr>
+          <a:xfrm>
+            <a:off x="1149145" y="3429000"/>
+            <a:ext cx="5326959" cy="2911699"/>
+          </a:xfrm>
+          <a:prstGeom prst="rect">
+            <a:avLst/>
+          </a:prstGeom>
+        </p:spPr>
+      </p:pic>
+    </p:spTree>
+    <p:extLst>
+      <p:ext uri="{BB962C8B-B14F-4D97-AF65-F5344CB8AC3E}">
+        <p14:creationId xmlns:p14="http://schemas.microsoft.com/office/powerpoint/2010/main" val="515682327"/>
+      </p:ext>
+    </p:extLst>
+  </p:cSld>
+  <p:clrMapOvr>
+    <a:masterClrMapping/>
+  </p:clrMapOvr>
+</p:sld>
+</file>
+
+<file path=ppt/slides/slide7.xml><?xml version="1.0" encoding="utf-8"?>
+<p:sld xmlns:a="http://schemas.openxmlformats.org/drawingml/2006/main" xmlns:r="http://schemas.openxmlformats.org/officeDocument/2006/relationships" xmlns:p="http://schemas.openxmlformats.org/presentationml/2006/main">
+  <p:cSld>
+    <p:spTree>
+      <p:nvGrpSpPr>
+        <p:cNvPr id="1" name=""/>
+        <p:cNvGrpSpPr/>
+        <p:nvPr/>
+      </p:nvGrpSpPr>
+      <p:grpSpPr>
+        <a:xfrm>
+          <a:off x="0" y="0"/>
+          <a:ext cx="0" cy="0"/>
+          <a:chOff x="0" y="0"/>
+          <a:chExt cx="0" cy="0"/>
+        </a:xfrm>
+      </p:grpSpPr>
+    </p:spTree>
+    <p:extLst>
+      <p:ext uri="{BB962C8B-B14F-4D97-AF65-F5344CB8AC3E}">
+        <p14:creationId xmlns:p14="http://schemas.microsoft.com/office/powerpoint/2010/main" val="570947838"/>
+      </p:ext>
+    </p:extLst>
+  </p:cSld>
+  <p:clrMapOvr>
+    <a:masterClrMapping/>
+  </p:clrMapOvr>
+</p:sld>
+</file>
+
+<file path=ppt/slides/slide8.xml><?xml version="1.0" encoding="utf-8"?>
+<p:sld xmlns:a="http://schemas.openxmlformats.org/drawingml/2006/main" xmlns:r="http://schemas.openxmlformats.org/officeDocument/2006/relationships" xmlns:p="http://schemas.openxmlformats.org/presentationml/2006/main">
+  <p:cSld>
+    <p:spTree>
+      <p:nvGrpSpPr>
+        <p:cNvPr id="1" name=""/>
+        <p:cNvGrpSpPr/>
+        <p:nvPr/>
+      </p:nvGrpSpPr>
+      <p:grpSpPr>
+        <a:xfrm>
+          <a:off x="0" y="0"/>
+          <a:ext cx="0" cy="0"/>
+          <a:chOff x="0" y="0"/>
+          <a:chExt cx="0" cy="0"/>
+        </a:xfrm>
+      </p:grpSpPr>
+      <p:sp>
+        <p:nvSpPr>
+          <p:cNvPr id="3" name="文本框 2">
+            <a:extLst>
+              <a:ext uri="{FF2B5EF4-FFF2-40B4-BE49-F238E27FC236}">
+                <a16:creationId xmlns:a16="http://schemas.microsoft.com/office/drawing/2014/main" id="{A6BEB77B-DCA7-127A-35A2-4F30F7A96B3E}"/>
+              </a:ext>
+            </a:extLst>
+          </p:cNvPr>
+          <p:cNvSpPr txBox="1"/>
+          <p:nvPr/>
+        </p:nvSpPr>
+        <p:spPr>
+          <a:xfrm>
+            <a:off x="774551" y="344245"/>
+            <a:ext cx="6280887" cy="523220"/>
+          </a:xfrm>
+          <a:prstGeom prst="rect">
+            <a:avLst/>
+          </a:prstGeom>
+          <a:noFill/>
+        </p:spPr>
+        <p:txBody>
+          <a:bodyPr wrap="square" rtlCol="0">
+            <a:spAutoFit/>
+          </a:bodyPr>
+          <a:lstStyle/>
+          <a:p>
+            <a:r>
+              <a:rPr lang="zh-CN" altLang="en-US" sz="2800" b="1" dirty="0"/>
+              <a:t>第五章，</a:t>
+            </a:r>
+            <a:r>
+              <a:rPr lang="en-US" altLang="zh-CN" sz="2800" b="1" dirty="0"/>
+              <a:t>Conformal mapping-- LSCM</a:t>
+            </a:r>
+          </a:p>
+        </p:txBody>
+      </p:sp>
+      <p:sp>
+        <p:nvSpPr>
+          <p:cNvPr id="4" name="文本框 3">
+            <a:extLst>
+              <a:ext uri="{FF2B5EF4-FFF2-40B4-BE49-F238E27FC236}">
+                <a16:creationId xmlns:a16="http://schemas.microsoft.com/office/drawing/2014/main" id="{FB6C4079-A9EA-6B1C-37FF-28E6EEDE1597}"/>
+              </a:ext>
+            </a:extLst>
+          </p:cNvPr>
+          <p:cNvSpPr txBox="1"/>
+          <p:nvPr/>
+        </p:nvSpPr>
+        <p:spPr>
+          <a:xfrm>
+            <a:off x="1219279" y="1689356"/>
+            <a:ext cx="8582799" cy="369332"/>
+          </a:xfrm>
+          <a:prstGeom prst="rect">
+            <a:avLst/>
+          </a:prstGeom>
+          <a:noFill/>
+        </p:spPr>
+        <p:txBody>
+          <a:bodyPr wrap="none" rtlCol="0">
+            <a:spAutoFit/>
+          </a:bodyPr>
+          <a:lstStyle/>
+          <a:p>
+            <a:r>
+              <a:rPr lang="zh-CN" altLang="en-US" b="1" dirty="0"/>
+              <a:t>参考这篇文章中关于柯西</a:t>
+            </a:r>
+            <a:r>
+              <a:rPr lang="en-US" altLang="zh-CN" b="1" dirty="0"/>
+              <a:t>-</a:t>
+            </a:r>
+            <a:r>
+              <a:rPr lang="zh-CN" altLang="en-US" b="1" dirty="0"/>
+              <a:t>黎曼的证明：</a:t>
+            </a:r>
+            <a:r>
+              <a:rPr lang="zh-CN" altLang="en-US" b="1" dirty="0">
+                <a:solidFill>
+                  <a:srgbClr val="0000FF"/>
+                </a:solidFill>
+              </a:rPr>
+              <a:t>https://zhuanlan.zhihu.com/p/269535501</a:t>
+            </a:r>
+          </a:p>
+        </p:txBody>
+      </p:sp>
+      <p:sp>
+        <p:nvSpPr>
+          <p:cNvPr id="7" name="文本框 6">
+            <a:extLst>
+              <a:ext uri="{FF2B5EF4-FFF2-40B4-BE49-F238E27FC236}">
+                <a16:creationId xmlns:a16="http://schemas.microsoft.com/office/drawing/2014/main" id="{372B2102-32F1-0B02-5E19-B3803B511D3D}"/>
+              </a:ext>
+            </a:extLst>
+          </p:cNvPr>
+          <p:cNvSpPr txBox="1"/>
+          <p:nvPr/>
+        </p:nvSpPr>
+        <p:spPr>
+          <a:xfrm>
+            <a:off x="1279482" y="2162108"/>
+            <a:ext cx="415498" cy="369332"/>
+          </a:xfrm>
+          <a:prstGeom prst="rect">
+            <a:avLst/>
+          </a:prstGeom>
+          <a:noFill/>
+        </p:spPr>
+        <p:txBody>
+          <a:bodyPr wrap="none" rtlCol="0">
+            <a:spAutoFit/>
+          </a:bodyPr>
+          <a:lstStyle/>
+          <a:p>
+            <a:r>
+              <a:rPr lang="zh-CN" altLang="en-US" dirty="0"/>
+              <a:t>令</a:t>
+            </a:r>
+          </a:p>
+        </p:txBody>
+      </p:sp>
+      <mc:AlternateContent xmlns:mc="http://schemas.openxmlformats.org/markup-compatibility/2006">
+        <mc:Choice xmlns:a14="http://schemas.microsoft.com/office/drawing/2010/main" Requires="a14">
+          <p:sp>
+            <p:nvSpPr>
+              <p:cNvPr id="8" name="文本框 7">
+                <a:extLst>
+                  <a:ext uri="{FF2B5EF4-FFF2-40B4-BE49-F238E27FC236}">
+                    <a16:creationId xmlns:a16="http://schemas.microsoft.com/office/drawing/2014/main" id="{39B0E114-69D6-FB60-5534-1F0E33419D7D}"/>
+                  </a:ext>
+                </a:extLst>
+              </p:cNvPr>
+              <p:cNvSpPr txBox="1"/>
+              <p:nvPr/>
+            </p:nvSpPr>
+            <p:spPr>
+              <a:xfrm>
+                <a:off x="1868160" y="2189604"/>
+                <a:ext cx="2241063" cy="276999"/>
+              </a:xfrm>
+              <a:prstGeom prst="rect">
+                <a:avLst/>
+              </a:prstGeom>
+              <a:noFill/>
+            </p:spPr>
+            <p:txBody>
+              <a:bodyPr wrap="none" lIns="0" tIns="0" rIns="0" bIns="0" rtlCol="0">
+                <a:spAutoFit/>
+              </a:bodyPr>
+              <a:lstStyle/>
+              <a:p>
+                <a14:m>
+                  <m:oMathPara xmlns:m="http://schemas.openxmlformats.org/officeDocument/2006/math">
+                    <m:oMathParaPr>
+                      <m:jc m:val="centerGroup"/>
+                    </m:oMathParaPr>
+                    <m:oMath xmlns:m="http://schemas.openxmlformats.org/officeDocument/2006/math">
+                      <m:r>
+                        <m:rPr>
+                          <m:sty m:val="p"/>
+                        </m:rPr>
+                        <a:rPr lang="en-US" altLang="zh-CN" i="1" smtClean="0">
+                          <a:latin typeface="Cambria Math" panose="02040503050406030204" pitchFamily="18" charset="0"/>
+                        </a:rPr>
+                        <m:t>h</m:t>
+                      </m:r>
+                      <m:r>
+                        <a:rPr lang="en-US" altLang="zh-CN" b="0" i="1" smtClean="0">
+                          <a:latin typeface="Cambria Math" panose="02040503050406030204" pitchFamily="18" charset="0"/>
+                        </a:rPr>
+                        <m:t>1=</m:t>
+                      </m:r>
+                      <m:r>
+                        <a:rPr lang="zh-CN" altLang="en-US" i="1">
+                          <a:latin typeface="Cambria Math" panose="02040503050406030204" pitchFamily="18" charset="0"/>
+                        </a:rPr>
+                        <m:t>𝜕</m:t>
+                      </m:r>
+                      <m:r>
+                        <a:rPr lang="en-US" altLang="zh-CN" i="1">
+                          <a:latin typeface="Cambria Math" panose="02040503050406030204" pitchFamily="18" charset="0"/>
+                        </a:rPr>
+                        <m:t>𝑋</m:t>
+                      </m:r>
+                      <m:r>
+                        <a:rPr lang="en-US" altLang="zh-CN" b="0" i="1" smtClean="0">
+                          <a:latin typeface="Cambria Math" panose="02040503050406030204" pitchFamily="18" charset="0"/>
+                        </a:rPr>
+                        <m:t>,  </m:t>
+                      </m:r>
+                      <m:r>
+                        <m:rPr>
+                          <m:sty m:val="p"/>
+                        </m:rPr>
+                        <a:rPr lang="en-US" altLang="zh-CN" i="1">
+                          <a:latin typeface="Cambria Math" panose="02040503050406030204" pitchFamily="18" charset="0"/>
+                        </a:rPr>
+                        <m:t>h</m:t>
+                      </m:r>
+                      <m:r>
+                        <a:rPr lang="en-US" altLang="zh-CN" i="1">
+                          <a:latin typeface="Cambria Math" panose="02040503050406030204" pitchFamily="18" charset="0"/>
+                        </a:rPr>
+                        <m:t>2=</m:t>
+                      </m:r>
+                      <m:r>
+                        <a:rPr lang="zh-CN" altLang="en-US" i="1">
+                          <a:latin typeface="Cambria Math" panose="02040503050406030204" pitchFamily="18" charset="0"/>
+                        </a:rPr>
+                        <m:t>𝜕</m:t>
+                      </m:r>
+                      <m:r>
+                        <a:rPr lang="en-US" altLang="zh-CN" b="0" i="1" smtClean="0">
+                          <a:latin typeface="Cambria Math" panose="02040503050406030204" pitchFamily="18" charset="0"/>
+                        </a:rPr>
+                        <m:t>𝑌</m:t>
+                      </m:r>
+                    </m:oMath>
+                  </m:oMathPara>
+                </a14:m>
+                <a:endParaRPr lang="zh-CN" altLang="en-US" dirty="0"/>
+              </a:p>
+            </p:txBody>
+          </p:sp>
+        </mc:Choice>
+        <mc:Fallback>
+          <p:sp>
+            <p:nvSpPr>
+              <p:cNvPr id="8" name="文本框 7">
+                <a:extLst>
+                  <a:ext uri="{FF2B5EF4-FFF2-40B4-BE49-F238E27FC236}">
+                    <a16:creationId xmlns:a16="http://schemas.microsoft.com/office/drawing/2014/main" id="{39B0E114-69D6-FB60-5534-1F0E33419D7D}"/>
+                  </a:ext>
+                </a:extLst>
+              </p:cNvPr>
+              <p:cNvSpPr txBox="1">
+                <a:spLocks noRot="1" noChangeAspect="1" noMove="1" noResize="1" noEditPoints="1" noAdjustHandles="1" noChangeArrowheads="1" noChangeShapeType="1" noTextEdit="1"/>
+              </p:cNvSpPr>
+              <p:nvPr/>
+            </p:nvSpPr>
+            <p:spPr>
+              <a:xfrm>
+                <a:off x="1868160" y="2189604"/>
+                <a:ext cx="2241063" cy="276999"/>
+              </a:xfrm>
+              <a:prstGeom prst="rect">
+                <a:avLst/>
+              </a:prstGeom>
+              <a:blipFill>
+                <a:blip r:embed="rId2"/>
+                <a:stretch>
+                  <a:fillRect l="-1902" r="-1630" b="-6522"/>
+                </a:stretch>
+              </a:blipFill>
+            </p:spPr>
+            <p:txBody>
+              <a:bodyPr/>
+              <a:lstStyle/>
+              <a:p>
+                <a:r>
+                  <a:rPr lang="zh-CN" altLang="en-US">
+                    <a:noFill/>
+                  </a:rPr>
+                  <a:t> </a:t>
+                </a:r>
+              </a:p>
+            </p:txBody>
+          </p:sp>
+        </mc:Fallback>
+      </mc:AlternateContent>
+      <p:sp>
+        <p:nvSpPr>
+          <p:cNvPr id="10" name="文本框 9">
+            <a:extLst>
+              <a:ext uri="{FF2B5EF4-FFF2-40B4-BE49-F238E27FC236}">
+                <a16:creationId xmlns:a16="http://schemas.microsoft.com/office/drawing/2014/main" id="{B388CB10-7E98-9907-4EA5-C2DFD165529C}"/>
+              </a:ext>
+            </a:extLst>
+          </p:cNvPr>
+          <p:cNvSpPr txBox="1"/>
+          <p:nvPr/>
+        </p:nvSpPr>
+        <p:spPr>
+          <a:xfrm>
+            <a:off x="1279482" y="2651765"/>
+            <a:ext cx="1569660" cy="369332"/>
+          </a:xfrm>
+          <a:prstGeom prst="rect">
+            <a:avLst/>
+          </a:prstGeom>
+          <a:noFill/>
+        </p:spPr>
+        <p:txBody>
+          <a:bodyPr wrap="none" rtlCol="0">
+            <a:spAutoFit/>
+          </a:bodyPr>
+          <a:lstStyle/>
+          <a:p>
+            <a:r>
+              <a:rPr lang="zh-CN" altLang="en-US" b="1" dirty="0"/>
+              <a:t>相当于证明：</a:t>
+            </a:r>
+          </a:p>
+        </p:txBody>
+      </p:sp>
+      <p:sp>
+        <p:nvSpPr>
+          <p:cNvPr id="11" name="文本框 10">
+            <a:extLst>
+              <a:ext uri="{FF2B5EF4-FFF2-40B4-BE49-F238E27FC236}">
+                <a16:creationId xmlns:a16="http://schemas.microsoft.com/office/drawing/2014/main" id="{F5A131AC-F6B1-CF0B-0C74-B9F6A8E60768}"/>
+              </a:ext>
+            </a:extLst>
+          </p:cNvPr>
+          <p:cNvSpPr txBox="1"/>
+          <p:nvPr/>
+        </p:nvSpPr>
+        <p:spPr>
+          <a:xfrm>
+            <a:off x="4909028" y="2083401"/>
+            <a:ext cx="6447972" cy="646331"/>
+          </a:xfrm>
+          <a:prstGeom prst="rect">
+            <a:avLst/>
+          </a:prstGeom>
+          <a:noFill/>
+        </p:spPr>
+        <p:txBody>
+          <a:bodyPr wrap="square" rtlCol="0">
+            <a:spAutoFit/>
+          </a:bodyPr>
+          <a:lstStyle/>
+          <a:p>
+            <a:pPr algn="ctr"/>
+            <a:r>
+              <a:rPr lang="zh-CN" altLang="en-US" b="1" dirty="0"/>
+              <a:t>（</a:t>
+            </a:r>
+            <a:r>
+              <a:rPr lang="en-US" altLang="zh-CN" b="1" dirty="0"/>
+              <a:t>X, Y</a:t>
+            </a:r>
+            <a:r>
+              <a:rPr lang="zh-CN" altLang="en-US" b="1" dirty="0"/>
+              <a:t>）单个三角形局部坐标系，这个坐标系和参数平面</a:t>
+            </a:r>
+            <a:r>
+              <a:rPr lang="en-US" altLang="zh-CN" b="1" dirty="0"/>
+              <a:t>u</a:t>
+            </a:r>
+            <a:r>
+              <a:rPr lang="zh-CN" altLang="en-US" b="1" dirty="0"/>
+              <a:t>，</a:t>
+            </a:r>
+            <a:r>
+              <a:rPr lang="en-US" altLang="zh-CN" b="1" dirty="0"/>
+              <a:t>v</a:t>
+            </a:r>
+            <a:r>
+              <a:rPr lang="zh-CN" altLang="en-US" b="1" dirty="0"/>
+              <a:t>坐标轴投影到三维平面；这次参数还未确定</a:t>
+            </a:r>
+            <a:r>
+              <a:rPr lang="en-US" altLang="zh-CN" b="1" dirty="0"/>
+              <a:t>   </a:t>
+            </a:r>
+            <a:endParaRPr lang="zh-CN" altLang="en-US" b="1" dirty="0"/>
+          </a:p>
+        </p:txBody>
+      </p:sp>
+      <p:grpSp>
+        <p:nvGrpSpPr>
+          <p:cNvPr id="22" name="组合 21">
+            <a:extLst>
+              <a:ext uri="{FF2B5EF4-FFF2-40B4-BE49-F238E27FC236}">
+                <a16:creationId xmlns:a16="http://schemas.microsoft.com/office/drawing/2014/main" id="{1943E351-1CCB-7C25-0A12-1E4602EDCE22}"/>
+              </a:ext>
+            </a:extLst>
+          </p:cNvPr>
+          <p:cNvGrpSpPr/>
+          <p:nvPr/>
+        </p:nvGrpSpPr>
+        <p:grpSpPr>
+          <a:xfrm>
+            <a:off x="1339685" y="3222734"/>
+            <a:ext cx="10185420" cy="276999"/>
+            <a:chOff x="1282232" y="3382557"/>
+            <a:chExt cx="10185420" cy="276999"/>
+          </a:xfrm>
+        </p:grpSpPr>
+        <mc:AlternateContent xmlns:mc="http://schemas.openxmlformats.org/markup-compatibility/2006">
+          <mc:Choice xmlns:a14="http://schemas.microsoft.com/office/drawing/2010/main" Requires="a14">
+            <p:sp>
+              <p:nvSpPr>
+                <p:cNvPr id="14" name="文本框 13">
+                  <a:extLst>
+                    <a:ext uri="{FF2B5EF4-FFF2-40B4-BE49-F238E27FC236}">
+                      <a16:creationId xmlns:a16="http://schemas.microsoft.com/office/drawing/2014/main" id="{2B469724-EE77-08B3-E1DB-C624D8DEA7F5}"/>
+                    </a:ext>
+                  </a:extLst>
+                </p:cNvPr>
+                <p:cNvSpPr txBox="1"/>
+                <p:nvPr/>
+              </p:nvSpPr>
+              <p:spPr>
+                <a:xfrm>
+                  <a:off x="1282232" y="3382557"/>
+                  <a:ext cx="1069203" cy="276999"/>
+                </a:xfrm>
+                <a:prstGeom prst="rect">
+                  <a:avLst/>
+                </a:prstGeom>
+                <a:noFill/>
+              </p:spPr>
+              <p:txBody>
+                <a:bodyPr wrap="none" lIns="0" tIns="0" rIns="0" bIns="0" rtlCol="0">
+                  <a:spAutoFit/>
+                </a:bodyPr>
+                <a:lstStyle/>
+                <a:p>
+                  <a:r>
+                    <a:rPr lang="en-US" altLang="zh-CN" b="1" dirty="0"/>
+                    <a:t>Z </a:t>
+                  </a:r>
+                  <a14:m>
+                    <m:oMath xmlns:m="http://schemas.openxmlformats.org/officeDocument/2006/math">
+                      <m:r>
+                        <a:rPr lang="en-US" altLang="zh-CN" b="1" i="1" smtClean="0">
+                          <a:latin typeface="Cambria Math" panose="02040503050406030204" pitchFamily="18" charset="0"/>
+                        </a:rPr>
+                        <m:t>=</m:t>
+                      </m:r>
+                      <m:r>
+                        <a:rPr lang="en-US" altLang="zh-CN" b="1" i="1" smtClean="0">
+                          <a:latin typeface="Cambria Math" panose="02040503050406030204" pitchFamily="18" charset="0"/>
+                        </a:rPr>
+                        <m:t>𝒙</m:t>
+                      </m:r>
+                      <m:r>
+                        <a:rPr lang="en-US" altLang="zh-CN" b="1" i="1" smtClean="0">
+                          <a:latin typeface="Cambria Math" panose="02040503050406030204" pitchFamily="18" charset="0"/>
+                        </a:rPr>
+                        <m:t>+</m:t>
+                      </m:r>
+                      <m:r>
+                        <a:rPr lang="en-US" altLang="zh-CN" b="1" i="1" smtClean="0">
+                          <a:latin typeface="Cambria Math" panose="02040503050406030204" pitchFamily="18" charset="0"/>
+                        </a:rPr>
+                        <m:t>𝒊𝒚</m:t>
+                      </m:r>
+                    </m:oMath>
+                  </a14:m>
+                  <a:endParaRPr lang="zh-CN" altLang="en-US" b="1" dirty="0"/>
+                </a:p>
+              </p:txBody>
+            </p:sp>
+          </mc:Choice>
+          <mc:Fallback>
+            <p:sp>
+              <p:nvSpPr>
+                <p:cNvPr id="14" name="文本框 13">
+                  <a:extLst>
+                    <a:ext uri="{FF2B5EF4-FFF2-40B4-BE49-F238E27FC236}">
+                      <a16:creationId xmlns:a16="http://schemas.microsoft.com/office/drawing/2014/main" id="{2B469724-EE77-08B3-E1DB-C624D8DEA7F5}"/>
+                    </a:ext>
+                  </a:extLst>
+                </p:cNvPr>
+                <p:cNvSpPr txBox="1">
+                  <a:spLocks noRot="1" noChangeAspect="1" noMove="1" noResize="1" noEditPoints="1" noAdjustHandles="1" noChangeArrowheads="1" noChangeShapeType="1" noTextEdit="1"/>
+                </p:cNvSpPr>
+                <p:nvPr/>
+              </p:nvSpPr>
+              <p:spPr>
+                <a:xfrm>
+                  <a:off x="1282232" y="3382557"/>
+                  <a:ext cx="1069203" cy="276999"/>
+                </a:xfrm>
+                <a:prstGeom prst="rect">
+                  <a:avLst/>
+                </a:prstGeom>
+                <a:blipFill>
+                  <a:blip r:embed="rId3"/>
+                  <a:stretch>
+                    <a:fillRect l="-13714" t="-28889" r="-9714" b="-51111"/>
+                  </a:stretch>
+                </a:blipFill>
+              </p:spPr>
+              <p:txBody>
+                <a:bodyPr/>
+                <a:lstStyle/>
+                <a:p>
+                  <a:r>
+                    <a:rPr lang="zh-CN" altLang="en-US">
+                      <a:noFill/>
+                    </a:rPr>
+                    <a:t> </a:t>
+                  </a:r>
+                </a:p>
+              </p:txBody>
+            </p:sp>
+          </mc:Fallback>
+        </mc:AlternateContent>
+        <p:cxnSp>
+          <p:nvCxnSpPr>
+            <p:cNvPr id="16" name="直接箭头连接符 15">
+              <a:extLst>
+                <a:ext uri="{FF2B5EF4-FFF2-40B4-BE49-F238E27FC236}">
+                  <a16:creationId xmlns:a16="http://schemas.microsoft.com/office/drawing/2014/main" id="{3C13A345-DBC7-FA8B-6FA6-28CC9C7439FE}"/>
+                </a:ext>
+              </a:extLst>
+            </p:cNvPr>
+            <p:cNvCxnSpPr>
+              <a:cxnSpLocks/>
+            </p:cNvCxnSpPr>
+            <p:nvPr/>
+          </p:nvCxnSpPr>
+          <p:spPr>
+            <a:xfrm>
+              <a:off x="2476294" y="3510299"/>
+              <a:ext cx="338124" cy="0"/>
+            </a:xfrm>
+            <a:prstGeom prst="straightConnector1">
+              <a:avLst/>
+            </a:prstGeom>
+            <a:ln>
+              <a:tailEnd type="triangle"/>
+            </a:ln>
+          </p:spPr>
+          <p:style>
+            <a:lnRef idx="1">
+              <a:schemeClr val="accent1"/>
+            </a:lnRef>
+            <a:fillRef idx="0">
+              <a:schemeClr val="accent1"/>
+            </a:fillRef>
+            <a:effectRef idx="0">
+              <a:schemeClr val="accent1"/>
+            </a:effectRef>
+            <a:fontRef idx="minor">
+              <a:schemeClr val="tx1"/>
+            </a:fontRef>
+          </p:style>
+        </p:cxnSp>
+        <mc:AlternateContent xmlns:mc="http://schemas.openxmlformats.org/markup-compatibility/2006">
+          <mc:Choice xmlns:a14="http://schemas.microsoft.com/office/drawing/2010/main" Requires="a14">
+            <p:sp>
+              <p:nvSpPr>
+                <p:cNvPr id="17" name="文本框 16">
+                  <a:extLst>
+                    <a:ext uri="{FF2B5EF4-FFF2-40B4-BE49-F238E27FC236}">
+                      <a16:creationId xmlns:a16="http://schemas.microsoft.com/office/drawing/2014/main" id="{AA60E366-AE13-3508-D19A-954484E48F24}"/>
+                    </a:ext>
+                  </a:extLst>
+                </p:cNvPr>
+                <p:cNvSpPr txBox="1"/>
+                <p:nvPr/>
+              </p:nvSpPr>
+              <p:spPr>
+                <a:xfrm>
+                  <a:off x="3072691" y="3382557"/>
+                  <a:ext cx="8394961" cy="276999"/>
+                </a:xfrm>
+                <a:prstGeom prst="rect">
+                  <a:avLst/>
+                </a:prstGeom>
+                <a:noFill/>
+              </p:spPr>
+              <p:txBody>
+                <a:bodyPr wrap="square" lIns="0" tIns="0" rIns="0" bIns="0" rtlCol="0">
+                  <a:spAutoFit/>
+                </a:bodyPr>
+                <a:lstStyle/>
+                <a:p>
+                  <a14:m>
+                    <m:oMath xmlns:m="http://schemas.openxmlformats.org/officeDocument/2006/math">
+                      <m:r>
+                        <a:rPr lang="en-US" altLang="zh-CN" b="1" i="1" smtClean="0">
+                          <a:latin typeface="Cambria Math" panose="02040503050406030204" pitchFamily="18" charset="0"/>
+                        </a:rPr>
+                        <m:t>𝒇</m:t>
+                      </m:r>
+                      <m:d>
+                        <m:dPr>
+                          <m:ctrlPr>
+                            <a:rPr lang="en-US" altLang="zh-CN" b="1" i="1" smtClean="0">
+                              <a:latin typeface="Cambria Math" panose="02040503050406030204" pitchFamily="18" charset="0"/>
+                            </a:rPr>
+                          </m:ctrlPr>
+                        </m:dPr>
+                        <m:e>
+                          <m:r>
+                            <a:rPr lang="en-US" altLang="zh-CN" b="1" i="1" smtClean="0">
+                              <a:latin typeface="Cambria Math" panose="02040503050406030204" pitchFamily="18" charset="0"/>
+                            </a:rPr>
+                            <m:t>𝒁</m:t>
+                          </m:r>
+                        </m:e>
+                      </m:d>
+                      <m:r>
+                        <a:rPr lang="en-US" altLang="zh-CN" b="1" i="1" smtClean="0">
+                          <a:latin typeface="Cambria Math" panose="02040503050406030204" pitchFamily="18" charset="0"/>
+                        </a:rPr>
+                        <m:t>=</m:t>
+                      </m:r>
+                      <m:r>
+                        <a:rPr lang="en-US" altLang="zh-CN" b="1" i="1" smtClean="0">
+                          <a:latin typeface="Cambria Math" panose="02040503050406030204" pitchFamily="18" charset="0"/>
+                        </a:rPr>
+                        <m:t>𝒇</m:t>
+                      </m:r>
+                      <m:r>
+                        <a:rPr lang="en-US" altLang="zh-CN" b="1" i="1" smtClean="0">
+                          <a:latin typeface="Cambria Math" panose="02040503050406030204" pitchFamily="18" charset="0"/>
+                        </a:rPr>
+                        <m:t>(</m:t>
+                      </m:r>
+                      <m:r>
+                        <a:rPr lang="en-US" altLang="zh-CN" b="1" i="1" smtClean="0">
+                          <a:latin typeface="Cambria Math" panose="02040503050406030204" pitchFamily="18" charset="0"/>
+                        </a:rPr>
+                        <m:t>𝒙</m:t>
+                      </m:r>
+                      <m:r>
+                        <a:rPr lang="en-US" altLang="zh-CN" b="1" i="1" smtClean="0">
+                          <a:latin typeface="Cambria Math" panose="02040503050406030204" pitchFamily="18" charset="0"/>
+                        </a:rPr>
+                        <m:t>𝟎</m:t>
+                      </m:r>
+                      <m:r>
+                        <a:rPr lang="en-US" altLang="zh-CN" b="1" i="1" smtClean="0">
+                          <a:latin typeface="Cambria Math" panose="02040503050406030204" pitchFamily="18" charset="0"/>
+                        </a:rPr>
+                        <m:t>+</m:t>
+                      </m:r>
+                      <m:r>
+                        <a:rPr lang="zh-CN" altLang="en-US" b="1" i="1">
+                          <a:latin typeface="Cambria Math" panose="02040503050406030204" pitchFamily="18" charset="0"/>
+                        </a:rPr>
+                        <m:t>𝝏</m:t>
+                      </m:r>
+                      <m:r>
+                        <a:rPr lang="en-US" altLang="zh-CN" b="1" i="1">
+                          <a:latin typeface="Cambria Math" panose="02040503050406030204" pitchFamily="18" charset="0"/>
+                        </a:rPr>
+                        <m:t>𝑿</m:t>
+                      </m:r>
+                      <m:r>
+                        <a:rPr lang="en-US" altLang="zh-CN" b="1" i="1" smtClean="0">
+                          <a:latin typeface="Cambria Math" panose="02040503050406030204" pitchFamily="18" charset="0"/>
+                        </a:rPr>
+                        <m:t>+</m:t>
+                      </m:r>
+                      <m:r>
+                        <a:rPr lang="en-US" altLang="zh-CN" b="1" i="1" smtClean="0">
+                          <a:latin typeface="Cambria Math" panose="02040503050406030204" pitchFamily="18" charset="0"/>
+                        </a:rPr>
+                        <m:t>𝒊</m:t>
+                      </m:r>
+                      <m:r>
+                        <a:rPr lang="en-US" altLang="zh-CN" b="1" i="1" smtClean="0">
+                          <a:latin typeface="Cambria Math" panose="02040503050406030204" pitchFamily="18" charset="0"/>
+                        </a:rPr>
+                        <m:t> (</m:t>
+                      </m:r>
+                      <m:r>
+                        <a:rPr lang="en-US" altLang="zh-CN" b="1" i="1" smtClean="0">
+                          <a:latin typeface="Cambria Math" panose="02040503050406030204" pitchFamily="18" charset="0"/>
+                        </a:rPr>
+                        <m:t>𝒚</m:t>
+                      </m:r>
+                      <m:r>
+                        <a:rPr lang="en-US" altLang="zh-CN" b="1" i="1" smtClean="0">
+                          <a:latin typeface="Cambria Math" panose="02040503050406030204" pitchFamily="18" charset="0"/>
+                        </a:rPr>
+                        <m:t>𝟎</m:t>
+                      </m:r>
+                      <m:r>
+                        <a:rPr lang="en-US" altLang="zh-CN" b="1" i="1" smtClean="0">
+                          <a:latin typeface="Cambria Math" panose="02040503050406030204" pitchFamily="18" charset="0"/>
+                        </a:rPr>
+                        <m:t>+</m:t>
+                      </m:r>
+                      <m:r>
+                        <a:rPr lang="zh-CN" altLang="en-US" b="1" i="1">
+                          <a:latin typeface="Cambria Math" panose="02040503050406030204" pitchFamily="18" charset="0"/>
+                        </a:rPr>
+                        <m:t>𝝏</m:t>
+                      </m:r>
+                      <m:r>
+                        <a:rPr lang="en-US" altLang="zh-CN" b="1" i="1">
+                          <a:latin typeface="Cambria Math" panose="02040503050406030204" pitchFamily="18" charset="0"/>
+                        </a:rPr>
+                        <m:t>𝒀</m:t>
+                      </m:r>
+                      <m:r>
+                        <a:rPr lang="en-US" altLang="zh-CN" b="1" i="1" smtClean="0">
+                          <a:latin typeface="Cambria Math" panose="02040503050406030204" pitchFamily="18" charset="0"/>
+                        </a:rPr>
+                        <m:t>)</m:t>
+                      </m:r>
+                      <m:r>
+                        <a:rPr lang="en-US" altLang="zh-CN" b="1" i="1" smtClean="0">
+                          <a:latin typeface="Cambria Math" panose="02040503050406030204" pitchFamily="18" charset="0"/>
+                        </a:rPr>
+                        <m:t>)</m:t>
+                      </m:r>
+                    </m:oMath>
+                  </a14:m>
+                  <a:r>
+                    <a:rPr lang="zh-CN" altLang="en-US" b="1" dirty="0"/>
+                    <a:t> </a:t>
+                  </a:r>
+                  <a:r>
+                    <a:rPr lang="en-US" altLang="zh-CN" b="1" dirty="0"/>
+                    <a:t>= u(</a:t>
+                  </a:r>
+                  <a14:m>
+                    <m:oMath xmlns:m="http://schemas.openxmlformats.org/officeDocument/2006/math">
+                      <m:r>
+                        <a:rPr lang="en-US" altLang="zh-CN" b="1" i="1">
+                          <a:latin typeface="Cambria Math" panose="02040503050406030204" pitchFamily="18" charset="0"/>
+                        </a:rPr>
+                        <m:t>𝒙</m:t>
+                      </m:r>
+                      <m:r>
+                        <a:rPr lang="en-US" altLang="zh-CN" b="1" i="1">
+                          <a:latin typeface="Cambria Math" panose="02040503050406030204" pitchFamily="18" charset="0"/>
+                        </a:rPr>
+                        <m:t>𝟎</m:t>
+                      </m:r>
+                      <m:r>
+                        <a:rPr lang="en-US" altLang="zh-CN" b="1" i="1">
+                          <a:latin typeface="Cambria Math" panose="02040503050406030204" pitchFamily="18" charset="0"/>
+                        </a:rPr>
+                        <m:t>+</m:t>
+                      </m:r>
+                      <m:r>
+                        <a:rPr lang="zh-CN" altLang="en-US" b="1" i="1">
+                          <a:latin typeface="Cambria Math" panose="02040503050406030204" pitchFamily="18" charset="0"/>
+                        </a:rPr>
+                        <m:t>𝝏</m:t>
+                      </m:r>
+                      <m:r>
+                        <a:rPr lang="en-US" altLang="zh-CN" b="1" i="1">
+                          <a:latin typeface="Cambria Math" panose="02040503050406030204" pitchFamily="18" charset="0"/>
+                        </a:rPr>
+                        <m:t>𝑿</m:t>
+                      </m:r>
+                    </m:oMath>
+                  </a14:m>
+                  <a:r>
+                    <a:rPr lang="en-US" altLang="zh-CN" b="1" dirty="0"/>
+                    <a:t>, </a:t>
+                  </a:r>
+                  <a14:m>
+                    <m:oMath xmlns:m="http://schemas.openxmlformats.org/officeDocument/2006/math">
+                      <m:r>
+                        <a:rPr lang="en-US" altLang="zh-CN" b="1" i="1">
+                          <a:latin typeface="Cambria Math" panose="02040503050406030204" pitchFamily="18" charset="0"/>
+                        </a:rPr>
+                        <m:t>𝒚</m:t>
+                      </m:r>
+                      <m:r>
+                        <a:rPr lang="en-US" altLang="zh-CN" b="1" i="1">
+                          <a:latin typeface="Cambria Math" panose="02040503050406030204" pitchFamily="18" charset="0"/>
+                        </a:rPr>
+                        <m:t>𝟎</m:t>
+                      </m:r>
+                      <m:r>
+                        <a:rPr lang="en-US" altLang="zh-CN" b="1" i="1">
+                          <a:latin typeface="Cambria Math" panose="02040503050406030204" pitchFamily="18" charset="0"/>
+                        </a:rPr>
+                        <m:t>+</m:t>
+                      </m:r>
+                      <m:r>
+                        <a:rPr lang="zh-CN" altLang="en-US" b="1" i="1">
+                          <a:latin typeface="Cambria Math" panose="02040503050406030204" pitchFamily="18" charset="0"/>
+                        </a:rPr>
+                        <m:t>𝝏</m:t>
+                      </m:r>
+                      <m:r>
+                        <a:rPr lang="en-US" altLang="zh-CN" b="1" i="1">
+                          <a:latin typeface="Cambria Math" panose="02040503050406030204" pitchFamily="18" charset="0"/>
+                        </a:rPr>
+                        <m:t>𝒀</m:t>
+                      </m:r>
+                    </m:oMath>
+                  </a14:m>
+                  <a:r>
+                    <a:rPr lang="en-US" altLang="zh-CN" b="1" dirty="0"/>
+                    <a:t>) + </a:t>
+                  </a:r>
+                  <a:r>
+                    <a:rPr lang="en-US" altLang="zh-CN" b="1" dirty="0" err="1"/>
+                    <a:t>i</a:t>
+                  </a:r>
+                  <a:r>
+                    <a:rPr lang="en-US" altLang="zh-CN" b="1" dirty="0"/>
+                    <a:t> * v(</a:t>
+                  </a:r>
+                  <a14:m>
+                    <m:oMath xmlns:m="http://schemas.openxmlformats.org/officeDocument/2006/math">
+                      <m:r>
+                        <a:rPr lang="en-US" altLang="zh-CN" b="1" i="1">
+                          <a:latin typeface="Cambria Math" panose="02040503050406030204" pitchFamily="18" charset="0"/>
+                        </a:rPr>
+                        <m:t>𝒙</m:t>
+                      </m:r>
+                      <m:r>
+                        <a:rPr lang="en-US" altLang="zh-CN" b="1" i="1">
+                          <a:latin typeface="Cambria Math" panose="02040503050406030204" pitchFamily="18" charset="0"/>
+                        </a:rPr>
+                        <m:t>𝟎</m:t>
+                      </m:r>
+                      <m:r>
+                        <a:rPr lang="en-US" altLang="zh-CN" b="1" i="1">
+                          <a:latin typeface="Cambria Math" panose="02040503050406030204" pitchFamily="18" charset="0"/>
+                        </a:rPr>
+                        <m:t>+</m:t>
+                      </m:r>
+                      <m:r>
+                        <a:rPr lang="zh-CN" altLang="en-US" b="1" i="1">
+                          <a:latin typeface="Cambria Math" panose="02040503050406030204" pitchFamily="18" charset="0"/>
+                        </a:rPr>
+                        <m:t>𝝏</m:t>
+                      </m:r>
+                      <m:r>
+                        <a:rPr lang="en-US" altLang="zh-CN" b="1" i="1">
+                          <a:latin typeface="Cambria Math" panose="02040503050406030204" pitchFamily="18" charset="0"/>
+                        </a:rPr>
+                        <m:t>𝑿</m:t>
+                      </m:r>
+                    </m:oMath>
+                  </a14:m>
+                  <a:r>
+                    <a:rPr lang="en-US" altLang="zh-CN" b="1" dirty="0"/>
+                    <a:t>, </a:t>
+                  </a:r>
+                  <a14:m>
+                    <m:oMath xmlns:m="http://schemas.openxmlformats.org/officeDocument/2006/math">
+                      <m:r>
+                        <a:rPr lang="en-US" altLang="zh-CN" b="1" i="1">
+                          <a:latin typeface="Cambria Math" panose="02040503050406030204" pitchFamily="18" charset="0"/>
+                        </a:rPr>
+                        <m:t>𝒚</m:t>
+                      </m:r>
+                      <m:r>
+                        <a:rPr lang="en-US" altLang="zh-CN" b="1" i="1">
+                          <a:latin typeface="Cambria Math" panose="02040503050406030204" pitchFamily="18" charset="0"/>
+                        </a:rPr>
+                        <m:t>𝟎</m:t>
+                      </m:r>
+                      <m:r>
+                        <a:rPr lang="en-US" altLang="zh-CN" b="1" i="1">
+                          <a:latin typeface="Cambria Math" panose="02040503050406030204" pitchFamily="18" charset="0"/>
+                        </a:rPr>
+                        <m:t>+</m:t>
+                      </m:r>
+                      <m:r>
+                        <a:rPr lang="zh-CN" altLang="en-US" b="1" i="1">
+                          <a:latin typeface="Cambria Math" panose="02040503050406030204" pitchFamily="18" charset="0"/>
+                        </a:rPr>
+                        <m:t>𝝏</m:t>
+                      </m:r>
+                      <m:r>
+                        <a:rPr lang="en-US" altLang="zh-CN" b="1" i="1">
+                          <a:latin typeface="Cambria Math" panose="02040503050406030204" pitchFamily="18" charset="0"/>
+                        </a:rPr>
+                        <m:t>𝒀</m:t>
+                      </m:r>
+                    </m:oMath>
+                  </a14:m>
+                  <a:r>
+                    <a:rPr lang="en-US" altLang="zh-CN" b="1" dirty="0"/>
+                    <a:t>) </a:t>
+                  </a:r>
+                  <a:endParaRPr lang="zh-CN" altLang="en-US" b="1" dirty="0"/>
+                </a:p>
+              </p:txBody>
+            </p:sp>
+          </mc:Choice>
+          <mc:Fallback>
+            <p:sp>
+              <p:nvSpPr>
+                <p:cNvPr id="17" name="文本框 16">
+                  <a:extLst>
+                    <a:ext uri="{FF2B5EF4-FFF2-40B4-BE49-F238E27FC236}">
+                      <a16:creationId xmlns:a16="http://schemas.microsoft.com/office/drawing/2014/main" id="{AA60E366-AE13-3508-D19A-954484E48F24}"/>
+                    </a:ext>
+                  </a:extLst>
+                </p:cNvPr>
+                <p:cNvSpPr txBox="1">
+                  <a:spLocks noRot="1" noChangeAspect="1" noMove="1" noResize="1" noEditPoints="1" noAdjustHandles="1" noChangeArrowheads="1" noChangeShapeType="1" noTextEdit="1"/>
+                </p:cNvSpPr>
+                <p:nvPr/>
+              </p:nvSpPr>
+              <p:spPr>
+                <a:xfrm>
+                  <a:off x="3072691" y="3382557"/>
+                  <a:ext cx="8394961" cy="276999"/>
+                </a:xfrm>
+                <a:prstGeom prst="rect">
+                  <a:avLst/>
+                </a:prstGeom>
+                <a:blipFill>
+                  <a:blip r:embed="rId4"/>
+                  <a:stretch>
+                    <a:fillRect l="-1306" t="-28889" r="-1742" b="-51111"/>
+                  </a:stretch>
+                </a:blipFill>
+              </p:spPr>
+              <p:txBody>
+                <a:bodyPr/>
+                <a:lstStyle/>
+                <a:p>
+                  <a:r>
+                    <a:rPr lang="zh-CN" altLang="en-US">
+                      <a:noFill/>
+                    </a:rPr>
+                    <a:t> </a:t>
+                  </a:r>
+                </a:p>
+              </p:txBody>
+            </p:sp>
+          </mc:Fallback>
+        </mc:AlternateContent>
+      </p:grpSp>
+      <p:sp>
+        <p:nvSpPr>
+          <p:cNvPr id="20" name="文本框 19">
+            <a:extLst>
+              <a:ext uri="{FF2B5EF4-FFF2-40B4-BE49-F238E27FC236}">
+                <a16:creationId xmlns:a16="http://schemas.microsoft.com/office/drawing/2014/main" id="{0A2E9E41-5FE5-25BE-923E-F07F223A2496}"/>
+              </a:ext>
+            </a:extLst>
+          </p:cNvPr>
+          <p:cNvSpPr txBox="1"/>
+          <p:nvPr/>
+        </p:nvSpPr>
+        <p:spPr>
+          <a:xfrm>
+            <a:off x="1219279" y="3652757"/>
+            <a:ext cx="10305826" cy="369332"/>
+          </a:xfrm>
+          <a:prstGeom prst="rect">
+            <a:avLst/>
+          </a:prstGeom>
+          <a:noFill/>
+        </p:spPr>
+        <p:txBody>
+          <a:bodyPr wrap="square" rtlCol="0">
+            <a:spAutoFit/>
+          </a:bodyPr>
+          <a:lstStyle/>
+          <a:p>
+            <a:r>
+              <a:rPr lang="zh-CN" altLang="en-US" dirty="0"/>
+              <a:t>多个三角形组成的网格是一个整体，多个三角形在这样的映射之后，就对</a:t>
+            </a:r>
+            <a:r>
+              <a:rPr lang="en-US" altLang="zh-CN" dirty="0"/>
+              <a:t>f(Z)</a:t>
+            </a:r>
+            <a:r>
+              <a:rPr lang="zh-CN" altLang="en-US" dirty="0"/>
+              <a:t>的边界连续性有要求</a:t>
+            </a:r>
+            <a:r>
+              <a:rPr lang="en-US" altLang="zh-CN" dirty="0"/>
+              <a:t>, </a:t>
+            </a:r>
+            <a:r>
+              <a:rPr lang="zh-CN" altLang="en-US" dirty="0"/>
+              <a:t>即</a:t>
+            </a:r>
+          </a:p>
+        </p:txBody>
+      </p:sp>
+      <p:sp>
+        <p:nvSpPr>
+          <p:cNvPr id="21" name="文本框 20">
+            <a:extLst>
+              <a:ext uri="{FF2B5EF4-FFF2-40B4-BE49-F238E27FC236}">
+                <a16:creationId xmlns:a16="http://schemas.microsoft.com/office/drawing/2014/main" id="{7641B429-36E5-C5F6-291A-5D2644C4DA12}"/>
+              </a:ext>
+            </a:extLst>
+          </p:cNvPr>
+          <p:cNvSpPr txBox="1"/>
+          <p:nvPr/>
+        </p:nvSpPr>
+        <p:spPr>
+          <a:xfrm>
+            <a:off x="3815807" y="4125148"/>
+            <a:ext cx="4317207" cy="369332"/>
+          </a:xfrm>
+          <a:prstGeom prst="rect">
+            <a:avLst/>
+          </a:prstGeom>
+          <a:noFill/>
+        </p:spPr>
+        <p:txBody>
+          <a:bodyPr wrap="none" rtlCol="0">
+            <a:spAutoFit/>
+          </a:bodyPr>
+          <a:lstStyle/>
+          <a:p>
+            <a:r>
+              <a:rPr lang="zh-CN" altLang="en-US" b="1" dirty="0">
+                <a:solidFill>
+                  <a:srgbClr val="FF0000"/>
+                </a:solidFill>
+              </a:rPr>
+              <a:t> </a:t>
+            </a:r>
+            <a:r>
+              <a:rPr lang="en-US" altLang="zh-CN" b="1" dirty="0">
+                <a:solidFill>
+                  <a:srgbClr val="FF0000"/>
+                </a:solidFill>
+              </a:rPr>
+              <a:t>f(Z)</a:t>
+            </a:r>
+            <a:r>
+              <a:rPr lang="zh-CN" altLang="en-US" b="1" dirty="0">
+                <a:solidFill>
+                  <a:srgbClr val="FF0000"/>
+                </a:solidFill>
+              </a:rPr>
+              <a:t>要可导</a:t>
+            </a:r>
+            <a:r>
+              <a:rPr lang="en-US" altLang="zh-CN" b="1" dirty="0">
+                <a:solidFill>
+                  <a:srgbClr val="FF0000"/>
+                </a:solidFill>
+              </a:rPr>
+              <a:t>,</a:t>
+            </a:r>
+            <a:r>
+              <a:rPr lang="zh-CN" altLang="en-US" b="1" dirty="0">
+                <a:solidFill>
+                  <a:srgbClr val="FF0000"/>
+                </a:solidFill>
+              </a:rPr>
+              <a:t>（就是证明柯西</a:t>
+            </a:r>
+            <a:r>
+              <a:rPr lang="en-US" altLang="zh-CN" b="1" dirty="0">
+                <a:solidFill>
+                  <a:srgbClr val="FF0000"/>
+                </a:solidFill>
+              </a:rPr>
+              <a:t>-</a:t>
+            </a:r>
+            <a:r>
+              <a:rPr lang="zh-CN" altLang="en-US" b="1" dirty="0">
+                <a:solidFill>
+                  <a:srgbClr val="FF0000"/>
+                </a:solidFill>
+              </a:rPr>
+              <a:t>黎曼公式）</a:t>
+            </a:r>
+          </a:p>
+        </p:txBody>
+      </p:sp>
+      <p:pic>
+        <p:nvPicPr>
+          <p:cNvPr id="24" name="图片 23">
+            <a:extLst>
+              <a:ext uri="{FF2B5EF4-FFF2-40B4-BE49-F238E27FC236}">
+                <a16:creationId xmlns:a16="http://schemas.microsoft.com/office/drawing/2014/main" id="{4EF1391B-2EED-056E-F491-CA907B689A90}"/>
+              </a:ext>
+            </a:extLst>
+          </p:cNvPr>
+          <p:cNvPicPr>
+            <a:picLocks noChangeAspect="1"/>
+          </p:cNvPicPr>
+          <p:nvPr/>
+        </p:nvPicPr>
+        <p:blipFill>
+          <a:blip r:embed="rId5"/>
+          <a:stretch>
+            <a:fillRect/>
+          </a:stretch>
+        </p:blipFill>
+        <p:spPr>
+          <a:xfrm>
+            <a:off x="982493" y="5292508"/>
+            <a:ext cx="2486372" cy="581106"/>
+          </a:xfrm>
+          <a:prstGeom prst="rect">
+            <a:avLst/>
+          </a:prstGeom>
+        </p:spPr>
+      </p:pic>
+      <p:sp>
+        <p:nvSpPr>
+          <p:cNvPr id="25" name="文本框 24">
+            <a:extLst>
+              <a:ext uri="{FF2B5EF4-FFF2-40B4-BE49-F238E27FC236}">
+                <a16:creationId xmlns:a16="http://schemas.microsoft.com/office/drawing/2014/main" id="{BC62296E-AC96-9048-5538-495C33D04D45}"/>
+              </a:ext>
+            </a:extLst>
+          </p:cNvPr>
+          <p:cNvSpPr txBox="1"/>
+          <p:nvPr/>
+        </p:nvSpPr>
+        <p:spPr>
+          <a:xfrm>
+            <a:off x="3223298" y="5298428"/>
+            <a:ext cx="7899225" cy="646331"/>
+          </a:xfrm>
+          <a:prstGeom prst="rect">
+            <a:avLst/>
+          </a:prstGeom>
+          <a:noFill/>
+        </p:spPr>
+        <p:txBody>
+          <a:bodyPr wrap="square" rtlCol="0">
+            <a:spAutoFit/>
+          </a:bodyPr>
+          <a:lstStyle/>
+          <a:p>
+            <a:r>
+              <a:rPr lang="zh-CN" altLang="en-US" dirty="0"/>
+              <a:t>这个函数的理解： 相当于坐标轴的过程，</a:t>
+            </a:r>
+            <a:r>
+              <a:rPr lang="en-US" altLang="zh-CN" dirty="0"/>
+              <a:t>u, v</a:t>
+            </a:r>
+            <a:r>
+              <a:rPr lang="zh-CN" altLang="en-US" dirty="0"/>
+              <a:t>映射回（</a:t>
+            </a:r>
+            <a:r>
+              <a:rPr lang="en-US" altLang="zh-CN" dirty="0"/>
+              <a:t>X</a:t>
+            </a:r>
+            <a:r>
+              <a:rPr lang="zh-CN" altLang="en-US" dirty="0"/>
+              <a:t>， </a:t>
+            </a:r>
+            <a:r>
+              <a:rPr lang="en-US" altLang="zh-CN" dirty="0"/>
+              <a:t>Y</a:t>
+            </a:r>
+            <a:r>
+              <a:rPr lang="zh-CN" altLang="en-US" dirty="0"/>
+              <a:t> ）轴，所以满足这样的空间关系</a:t>
+            </a:r>
+          </a:p>
+        </p:txBody>
+      </p:sp>
+      <p:sp>
+        <p:nvSpPr>
+          <p:cNvPr id="27" name="文本框 26">
+            <a:extLst>
+              <a:ext uri="{FF2B5EF4-FFF2-40B4-BE49-F238E27FC236}">
+                <a16:creationId xmlns:a16="http://schemas.microsoft.com/office/drawing/2014/main" id="{A37A5DEC-DCDB-BED1-7896-B35C9D8BB18F}"/>
+              </a:ext>
+            </a:extLst>
+          </p:cNvPr>
+          <p:cNvSpPr txBox="1"/>
+          <p:nvPr/>
+        </p:nvSpPr>
+        <p:spPr>
+          <a:xfrm>
+            <a:off x="923047" y="4700335"/>
+            <a:ext cx="4466533" cy="369332"/>
+          </a:xfrm>
+          <a:prstGeom prst="rect">
+            <a:avLst/>
+          </a:prstGeom>
+          <a:noFill/>
+        </p:spPr>
+        <p:txBody>
+          <a:bodyPr wrap="square">
+            <a:spAutoFit/>
+          </a:bodyPr>
+          <a:lstStyle/>
+          <a:p>
+            <a:r>
+              <a:rPr lang="en-US" altLang="zh-CN" b="1" dirty="0">
+                <a:solidFill>
+                  <a:srgbClr val="000000"/>
+                </a:solidFill>
+                <a:latin typeface="微软雅黑" panose="020B0503020204020204" pitchFamily="34" charset="-122"/>
+                <a:ea typeface="微软雅黑" panose="020B0503020204020204" pitchFamily="34" charset="-122"/>
+              </a:rPr>
+              <a:t>2. </a:t>
+            </a:r>
+            <a:r>
+              <a:rPr lang="zh-CN" altLang="en-US" b="1" dirty="0">
+                <a:solidFill>
+                  <a:srgbClr val="000000"/>
+                </a:solidFill>
+                <a:latin typeface="微软雅黑" panose="020B0503020204020204" pitchFamily="34" charset="-122"/>
+                <a:ea typeface="微软雅黑" panose="020B0503020204020204" pitchFamily="34" charset="-122"/>
+              </a:rPr>
+              <a:t>关于</a:t>
+            </a:r>
+            <a:r>
+              <a:rPr lang="en-US" altLang="zh-CN" b="1" dirty="0">
+                <a:solidFill>
+                  <a:srgbClr val="000000"/>
+                </a:solidFill>
+                <a:latin typeface="微软雅黑" panose="020B0503020204020204" pitchFamily="34" charset="-122"/>
+                <a:ea typeface="微软雅黑" panose="020B0503020204020204" pitchFamily="34" charset="-122"/>
+              </a:rPr>
+              <a:t>C</a:t>
+            </a:r>
+            <a:r>
+              <a:rPr lang="en-US" altLang="zh-CN" sz="1800" b="1" i="0" dirty="0">
+                <a:solidFill>
+                  <a:srgbClr val="000000"/>
+                </a:solidFill>
+                <a:effectLst/>
+                <a:latin typeface="微软雅黑" panose="020B0503020204020204" pitchFamily="34" charset="-122"/>
+                <a:ea typeface="微软雅黑" panose="020B0503020204020204" pitchFamily="34" charset="-122"/>
+              </a:rPr>
+              <a:t>onformality condition</a:t>
+            </a:r>
+            <a:r>
+              <a:rPr lang="en-US" altLang="zh-CN" b="1" dirty="0">
+                <a:latin typeface="微软雅黑" panose="020B0503020204020204" pitchFamily="34" charset="-122"/>
+                <a:ea typeface="微软雅黑" panose="020B0503020204020204" pitchFamily="34" charset="-122"/>
+              </a:rPr>
+              <a:t> </a:t>
+            </a:r>
+            <a:endParaRPr lang="zh-CN" altLang="en-US" b="1" dirty="0"/>
+          </a:p>
+        </p:txBody>
+      </p:sp>
+      <p:sp>
+        <p:nvSpPr>
+          <p:cNvPr id="28" name="文本框 27">
+            <a:extLst>
+              <a:ext uri="{FF2B5EF4-FFF2-40B4-BE49-F238E27FC236}">
+                <a16:creationId xmlns:a16="http://schemas.microsoft.com/office/drawing/2014/main" id="{149CD9E7-B667-2C0B-C058-11D46C586346}"/>
+              </a:ext>
+            </a:extLst>
+          </p:cNvPr>
+          <p:cNvSpPr txBox="1"/>
+          <p:nvPr/>
+        </p:nvSpPr>
+        <p:spPr>
+          <a:xfrm>
+            <a:off x="944564" y="1175148"/>
+            <a:ext cx="3014348" cy="369332"/>
+          </a:xfrm>
+          <a:prstGeom prst="rect">
+            <a:avLst/>
+          </a:prstGeom>
+          <a:noFill/>
+        </p:spPr>
+        <p:txBody>
+          <a:bodyPr wrap="square">
+            <a:spAutoFit/>
+          </a:bodyPr>
+          <a:lstStyle/>
+          <a:p>
+            <a:r>
+              <a:rPr lang="en-US" altLang="zh-CN" b="1" dirty="0">
+                <a:solidFill>
+                  <a:srgbClr val="000000"/>
+                </a:solidFill>
+                <a:latin typeface="微软雅黑" panose="020B0503020204020204" pitchFamily="34" charset="-122"/>
+                <a:ea typeface="微软雅黑" panose="020B0503020204020204" pitchFamily="34" charset="-122"/>
+              </a:rPr>
+              <a:t>1.  </a:t>
+            </a:r>
+            <a:r>
+              <a:rPr lang="zh-CN" altLang="en-US" b="1" dirty="0">
+                <a:solidFill>
+                  <a:srgbClr val="000000"/>
+                </a:solidFill>
+                <a:latin typeface="微软雅黑" panose="020B0503020204020204" pitchFamily="34" charset="-122"/>
+                <a:ea typeface="微软雅黑" panose="020B0503020204020204" pitchFamily="34" charset="-122"/>
+              </a:rPr>
+              <a:t>关于柯西</a:t>
+            </a:r>
+            <a:r>
+              <a:rPr lang="en-US" altLang="zh-CN" b="1" dirty="0">
+                <a:solidFill>
+                  <a:srgbClr val="000000"/>
+                </a:solidFill>
+                <a:latin typeface="微软雅黑" panose="020B0503020204020204" pitchFamily="34" charset="-122"/>
+                <a:ea typeface="微软雅黑" panose="020B0503020204020204" pitchFamily="34" charset="-122"/>
+              </a:rPr>
+              <a:t>-</a:t>
+            </a:r>
+            <a:r>
+              <a:rPr lang="zh-CN" altLang="en-US" b="1" dirty="0">
+                <a:solidFill>
+                  <a:srgbClr val="000000"/>
+                </a:solidFill>
+                <a:latin typeface="微软雅黑" panose="020B0503020204020204" pitchFamily="34" charset="-122"/>
+                <a:ea typeface="微软雅黑" panose="020B0503020204020204" pitchFamily="34" charset="-122"/>
+              </a:rPr>
+              <a:t>黎曼公式</a:t>
+            </a:r>
+            <a:endParaRPr lang="zh-CN" altLang="en-US" b="1" dirty="0"/>
+          </a:p>
+        </p:txBody>
+      </p:sp>
+      <p:sp>
+        <p:nvSpPr>
+          <p:cNvPr id="30" name="文本框 29">
+            <a:extLst>
+              <a:ext uri="{FF2B5EF4-FFF2-40B4-BE49-F238E27FC236}">
+                <a16:creationId xmlns:a16="http://schemas.microsoft.com/office/drawing/2014/main" id="{44732BB8-4A9E-928C-7606-2AB0FF0BEBE6}"/>
+              </a:ext>
+            </a:extLst>
+          </p:cNvPr>
+          <p:cNvSpPr txBox="1"/>
+          <p:nvPr/>
+        </p:nvSpPr>
+        <p:spPr>
+          <a:xfrm>
+            <a:off x="5202842" y="1344275"/>
+            <a:ext cx="6094206" cy="369332"/>
+          </a:xfrm>
+          <a:prstGeom prst="rect">
+            <a:avLst/>
+          </a:prstGeom>
+          <a:noFill/>
+        </p:spPr>
+        <p:txBody>
+          <a:bodyPr wrap="square">
+            <a:spAutoFit/>
+          </a:bodyPr>
+          <a:lstStyle/>
+          <a:p>
+            <a:r>
+              <a:rPr lang="zh-CN" altLang="en-US" b="1" dirty="0">
+                <a:solidFill>
+                  <a:srgbClr val="0000FF"/>
+                </a:solidFill>
+              </a:rPr>
+              <a:t>https://zhuanlan.zhihu.com/p/263069146</a:t>
+            </a:r>
+          </a:p>
+        </p:txBody>
+      </p:sp>
+      <p:sp>
+        <p:nvSpPr>
+          <p:cNvPr id="31" name="文本框 30">
+            <a:extLst>
+              <a:ext uri="{FF2B5EF4-FFF2-40B4-BE49-F238E27FC236}">
+                <a16:creationId xmlns:a16="http://schemas.microsoft.com/office/drawing/2014/main" id="{C9896E47-2019-C727-8CB3-86A58DF827C2}"/>
+              </a:ext>
+            </a:extLst>
+          </p:cNvPr>
+          <p:cNvSpPr txBox="1"/>
+          <p:nvPr/>
+        </p:nvSpPr>
+        <p:spPr>
+          <a:xfrm>
+            <a:off x="982493" y="6253072"/>
+            <a:ext cx="2492990" cy="369332"/>
+          </a:xfrm>
+          <a:prstGeom prst="rect">
+            <a:avLst/>
+          </a:prstGeom>
+          <a:noFill/>
+        </p:spPr>
+        <p:txBody>
+          <a:bodyPr wrap="none" rtlCol="0">
+            <a:spAutoFit/>
+          </a:bodyPr>
+          <a:lstStyle/>
+          <a:p>
+            <a:r>
+              <a:rPr lang="zh-CN" altLang="en-US" b="1" dirty="0"/>
+              <a:t>其他的看不懂了。。。</a:t>
+            </a:r>
+          </a:p>
+        </p:txBody>
+      </p:sp>
+    </p:spTree>
+    <p:extLst>
+      <p:ext uri="{BB962C8B-B14F-4D97-AF65-F5344CB8AC3E}">
+        <p14:creationId xmlns:p14="http://schemas.microsoft.com/office/powerpoint/2010/main" val="903696108"/>
       </p:ext>
     </p:extLst>
   </p:cSld>
@@ -3849,4 +7043,299 @@
     </a:ext>
   </a:extLst>
 </a:theme>
+</file>
+
+<file path=ppt/theme/theme2.xml><?xml version="1.0" encoding="utf-8"?>
+<a:theme xmlns:a="http://schemas.openxmlformats.org/drawingml/2006/main" name="Office 主题​​">
+  <a:themeElements>
+    <a:clrScheme name="Office">
+      <a:dk1>
+        <a:sysClr val="windowText" lastClr="000000"/>
+      </a:dk1>
+      <a:lt1>
+        <a:sysClr val="window" lastClr="FFFFFF"/>
+      </a:lt1>
+      <a:dk2>
+        <a:srgbClr val="44546A"/>
+      </a:dk2>
+      <a:lt2>
+        <a:srgbClr val="E7E6E6"/>
+      </a:lt2>
+      <a:accent1>
+        <a:srgbClr val="4472C4"/>
+      </a:accent1>
+      <a:accent2>
+        <a:srgbClr val="ED7D31"/>
+      </a:accent2>
+      <a:accent3>
+        <a:srgbClr val="A5A5A5"/>
+      </a:accent3>
+      <a:accent4>
+        <a:srgbClr val="FFC000"/>
+      </a:accent4>
+      <a:accent5>
+        <a:srgbClr val="5B9BD5"/>
+      </a:accent5>
+      <a:accent6>
+        <a:srgbClr val="70AD47"/>
+      </a:accent6>
+      <a:hlink>
+        <a:srgbClr val="0563C1"/>
+      </a:hlink>
+      <a:folHlink>
+        <a:srgbClr val="954F72"/>
+      </a:folHlink>
+    </a:clrScheme>
+    <a:fontScheme name="Office">
+      <a:majorFont>
+        <a:latin typeface="等线 Light" panose="020F0302020204030204"/>
+        <a:ea typeface=""/>
+        <a:cs typeface=""/>
+        <a:font script="Jpan" typeface="游ゴシック Light"/>
+        <a:font script="Hang" typeface="맑은 고딕"/>
+        <a:font script="Hans" typeface="等线 Light"/>
+        <a:font script="Hant" typeface="新細明體"/>
+        <a:font script="Arab" typeface="Times New Roman"/>
+        <a:font script="Hebr" typeface="Times New Roman"/>
+        <a:font script="Thai" typeface="Angsana New"/>
+        <a:font script="Ethi" typeface="Nyala"/>
+        <a:font script="Beng" typeface="Vrinda"/>
+        <a:font script="Gujr" typeface="Shruti"/>
+        <a:font script="Khmr" typeface="MoolBoran"/>
+        <a:font script="Knda" typeface="Tunga"/>
+        <a:font script="Guru" typeface="Raavi"/>
+        <a:font script="Cans" typeface="Euphemia"/>
+        <a:font script="Cher" typeface="Plantagenet Cherokee"/>
+        <a:font script="Yiii" typeface="Microsoft Yi Baiti"/>
+        <a:font script="Tibt" typeface="Microsoft Himalaya"/>
+        <a:font script="Thaa" typeface="MV Boli"/>
+        <a:font script="Deva" typeface="Mangal"/>
+        <a:font script="Telu" typeface="Gautami"/>
+        <a:font script="Taml" typeface="Latha"/>
+        <a:font script="Syrc" typeface="Estrangelo Edessa"/>
+        <a:font script="Orya" typeface="Kalinga"/>
+        <a:font script="Mlym" typeface="Kartika"/>
+        <a:font script="Laoo" typeface="DokChampa"/>
+        <a:font script="Sinh" typeface="Iskoola Pota"/>
+        <a:font script="Mong" typeface="Mongolian Baiti"/>
+        <a:font script="Viet" typeface="Times New Roman"/>
+        <a:font script="Uigh" typeface="Microsoft Uighur"/>
+        <a:font script="Geor" typeface="Sylfaen"/>
+        <a:font script="Armn" typeface="Arial"/>
+        <a:font script="Bugi" typeface="Leelawadee UI"/>
+        <a:font script="Bopo" typeface="Microsoft JhengHei"/>
+        <a:font script="Java" typeface="Javanese Text"/>
+        <a:font script="Lisu" typeface="Segoe UI"/>
+        <a:font script="Mymr" typeface="Myanmar Text"/>
+        <a:font script="Nkoo" typeface="Ebrima"/>
+        <a:font script="Olck" typeface="Nirmala UI"/>
+        <a:font script="Osma" typeface="Ebrima"/>
+        <a:font script="Phag" typeface="Phagspa"/>
+        <a:font script="Syrn" typeface="Estrangelo Edessa"/>
+        <a:font script="Syrj" typeface="Estrangelo Edessa"/>
+        <a:font script="Syre" typeface="Estrangelo Edessa"/>
+        <a:font script="Sora" typeface="Nirmala UI"/>
+        <a:font script="Tale" typeface="Microsoft Tai Le"/>
+        <a:font script="Talu" typeface="Microsoft New Tai Lue"/>
+        <a:font script="Tfng" typeface="Ebrima"/>
+      </a:majorFont>
+      <a:minorFont>
+        <a:latin typeface="等线" panose="020F0502020204030204"/>
+        <a:ea typeface=""/>
+        <a:cs typeface=""/>
+        <a:font script="Jpan" typeface="游ゴシック"/>
+        <a:font script="Hang" typeface="맑은 고딕"/>
+        <a:font script="Hans" typeface="等线"/>
+        <a:font script="Hant" typeface="新細明體"/>
+        <a:font script="Arab" typeface="Arial"/>
+        <a:font script="Hebr" typeface="Arial"/>
+        <a:font script="Thai" typeface="Cordia New"/>
+        <a:font script="Ethi" typeface="Nyala"/>
+        <a:font script="Beng" typeface="Vrinda"/>
+        <a:font script="Gujr" typeface="Shruti"/>
+        <a:font script="Khmr" typeface="DaunPenh"/>
+        <a:font script="Knda" typeface="Tunga"/>
+        <a:font script="Guru" typeface="Raavi"/>
+        <a:font script="Cans" typeface="Euphemia"/>
+        <a:font script="Cher" typeface="Plantagenet Cherokee"/>
+        <a:font script="Yiii" typeface="Microsoft Yi Baiti"/>
+        <a:font script="Tibt" typeface="Microsoft Himalaya"/>
+        <a:font script="Thaa" typeface="MV Boli"/>
+        <a:font script="Deva" typeface="Mangal"/>
+        <a:font script="Telu" typeface="Gautami"/>
+        <a:font script="Taml" typeface="Latha"/>
+        <a:font script="Syrc" typeface="Estrangelo Edessa"/>
+        <a:font script="Orya" typeface="Kalinga"/>
+        <a:font script="Mlym" typeface="Kartika"/>
+        <a:font script="Laoo" typeface="DokChampa"/>
+        <a:font script="Sinh" typeface="Iskoola Pota"/>
+        <a:font script="Mong" typeface="Mongolian Baiti"/>
+        <a:font script="Viet" typeface="Arial"/>
+        <a:font script="Uigh" typeface="Microsoft Uighur"/>
+        <a:font script="Geor" typeface="Sylfaen"/>
+        <a:font script="Armn" typeface="Arial"/>
+        <a:font script="Bugi" typeface="Leelawadee UI"/>
+        <a:font script="Bopo" typeface="Microsoft JhengHei"/>
+        <a:font script="Java" typeface="Javanese Text"/>
+        <a:font script="Lisu" typeface="Segoe UI"/>
+        <a:font script="Mymr" typeface="Myanmar Text"/>
+        <a:font script="Nkoo" typeface="Ebrima"/>
+        <a:font script="Olck" typeface="Nirmala UI"/>
+        <a:font script="Osma" typeface="Ebrima"/>
+        <a:font script="Phag" typeface="Phagspa"/>
+        <a:font script="Syrn" typeface="Estrangelo Edessa"/>
+        <a:font script="Syrj" typeface="Estrangelo Edessa"/>
+        <a:font script="Syre" typeface="Estrangelo Edessa"/>
+        <a:font script="Sora" typeface="Nirmala UI"/>
+        <a:font script="Tale" typeface="Microsoft Tai Le"/>
+        <a:font script="Talu" typeface="Microsoft New Tai Lue"/>
+        <a:font script="Tfng" typeface="Ebrima"/>
+      </a:minorFont>
+    </a:fontScheme>
+    <a:fmtScheme name="Office">
+      <a:fillStyleLst>
+        <a:solidFill>
+          <a:schemeClr val="phClr"/>
+        </a:solidFill>
+        <a:gradFill rotWithShape="1">
+          <a:gsLst>
+            <a:gs pos="0">
+              <a:schemeClr val="phClr">
+                <a:lumMod val="110000"/>
+                <a:satMod val="105000"/>
+                <a:tint val="67000"/>
+              </a:schemeClr>
+            </a:gs>
+            <a:gs pos="50000">
+              <a:schemeClr val="phClr">
+                <a:lumMod val="105000"/>
+                <a:satMod val="103000"/>
+                <a:tint val="73000"/>
+              </a:schemeClr>
+            </a:gs>
+            <a:gs pos="100000">
+              <a:schemeClr val="phClr">
+                <a:lumMod val="105000"/>
+                <a:satMod val="109000"/>
+                <a:tint val="81000"/>
+              </a:schemeClr>
+            </a:gs>
+          </a:gsLst>
+          <a:lin ang="5400000" scaled="0"/>
+        </a:gradFill>
+        <a:gradFill rotWithShape="1">
+          <a:gsLst>
+            <a:gs pos="0">
+              <a:schemeClr val="phClr">
+                <a:satMod val="103000"/>
+                <a:lumMod val="102000"/>
+                <a:tint val="94000"/>
+              </a:schemeClr>
+            </a:gs>
+            <a:gs pos="50000">
+              <a:schemeClr val="phClr">
+                <a:satMod val="110000"/>
+                <a:lumMod val="100000"/>
+                <a:shade val="100000"/>
+              </a:schemeClr>
+            </a:gs>
+            <a:gs pos="100000">
+              <a:schemeClr val="phClr">
+                <a:lumMod val="99000"/>
+                <a:satMod val="120000"/>
+                <a:shade val="78000"/>
+              </a:schemeClr>
+            </a:gs>
+          </a:gsLst>
+          <a:lin ang="5400000" scaled="0"/>
+        </a:gradFill>
+      </a:fillStyleLst>
+      <a:lnStyleLst>
+        <a:ln w="6350" cap="flat" cmpd="sng" algn="ctr">
+          <a:solidFill>
+            <a:schemeClr val="phClr"/>
+          </a:solidFill>
+          <a:prstDash val="solid"/>
+          <a:miter lim="800000"/>
+        </a:ln>
+        <a:ln w="12700" cap="flat" cmpd="sng" algn="ctr">
+          <a:solidFill>
+            <a:schemeClr val="phClr"/>
+          </a:solidFill>
+          <a:prstDash val="solid"/>
+          <a:miter lim="800000"/>
+        </a:ln>
+        <a:ln w="19050" cap="flat" cmpd="sng" algn="ctr">
+          <a:solidFill>
+            <a:schemeClr val="phClr"/>
+          </a:solidFill>
+          <a:prstDash val="solid"/>
+          <a:miter lim="800000"/>
+        </a:ln>
+      </a:lnStyleLst>
+      <a:effectStyleLst>
+        <a:effectStyle>
+          <a:effectLst/>
+        </a:effectStyle>
+        <a:effectStyle>
+          <a:effectLst/>
+        </a:effectStyle>
+        <a:effectStyle>
+          <a:effectLst>
+            <a:outerShdw blurRad="57150" dist="19050" dir="5400000" algn="ctr" rotWithShape="0">
+              <a:srgbClr val="000000">
+                <a:alpha val="63000"/>
+              </a:srgbClr>
+            </a:outerShdw>
+          </a:effectLst>
+        </a:effectStyle>
+      </a:effectStyleLst>
+      <a:bgFillStyleLst>
+        <a:solidFill>
+          <a:schemeClr val="phClr"/>
+        </a:solidFill>
+        <a:solidFill>
+          <a:schemeClr val="phClr">
+            <a:tint val="95000"/>
+            <a:satMod val="170000"/>
+          </a:schemeClr>
+        </a:solidFill>
+        <a:gradFill rotWithShape="1">
+          <a:gsLst>
+            <a:gs pos="0">
+              <a:schemeClr val="phClr">
+                <a:tint val="93000"/>
+                <a:satMod val="150000"/>
+                <a:shade val="98000"/>
+                <a:lumMod val="102000"/>
+              </a:schemeClr>
+            </a:gs>
+            <a:gs pos="50000">
+              <a:schemeClr val="phClr">
+                <a:tint val="98000"/>
+                <a:satMod val="130000"/>
+                <a:shade val="90000"/>
+                <a:lumMod val="103000"/>
+              </a:schemeClr>
+            </a:gs>
+            <a:gs pos="100000">
+              <a:schemeClr val="phClr">
+                <a:shade val="63000"/>
+                <a:satMod val="120000"/>
+              </a:schemeClr>
+            </a:gs>
+          </a:gsLst>
+          <a:lin ang="5400000" scaled="0"/>
+        </a:gradFill>
+      </a:bgFillStyleLst>
+    </a:fmtScheme>
+  </a:themeElements>
+  <a:objectDefaults/>
+  <a:extraClrSchemeLst/>
+  <a:extLst>
+    <a:ext uri="{05A4C25C-085E-4340-85A3-A5531E510DB2}">
+      <thm15:themeFamily xmlns:thm15="http://schemas.microsoft.com/office/thememl/2012/main" name="Office Theme 2013 - 2022" id="{62F939B6-93AF-4DB8-9C6B-D6C7DFDC589F}" vid="{4A3C46E8-61CC-4603-A589-7422A47A8E4A}"/>
+    </a:ext>
+  </a:extLst>
+</a:theme>
 </file>
--- a/note/01 geometry algorithm/poly_mesh_processing.pptx
+++ b/note/01 geometry algorithm/poly_mesh_processing.pptx
@@ -204,7 +204,7 @@
           <a:p>
             <a:fld id="{2A7D733F-C91F-4B3A-B815-024992B5E4C2}" type="datetimeFigureOut">
               <a:rPr lang="zh-CN" altLang="en-US" smtClean="0"/>
-              <a:t>2023/1/26</a:t>
+              <a:t>2023/2/26</a:t>
             </a:fld>
             <a:endParaRPr lang="zh-CN" altLang="en-US"/>
           </a:p>
@@ -618,7 +618,7 @@
           <a:p>
             <a:fld id="{415521C9-D0D3-45FB-A5F7-E66BC598C280}" type="datetimeFigureOut">
               <a:rPr lang="zh-CN" altLang="en-US" smtClean="0"/>
-              <a:t>2023/1/26</a:t>
+              <a:t>2023/2/26</a:t>
             </a:fld>
             <a:endParaRPr lang="zh-CN" altLang="en-US"/>
           </a:p>
@@ -816,7 +816,7 @@
           <a:p>
             <a:fld id="{415521C9-D0D3-45FB-A5F7-E66BC598C280}" type="datetimeFigureOut">
               <a:rPr lang="zh-CN" altLang="en-US" smtClean="0"/>
-              <a:t>2023/1/26</a:t>
+              <a:t>2023/2/26</a:t>
             </a:fld>
             <a:endParaRPr lang="zh-CN" altLang="en-US"/>
           </a:p>
@@ -1024,7 +1024,7 @@
           <a:p>
             <a:fld id="{415521C9-D0D3-45FB-A5F7-E66BC598C280}" type="datetimeFigureOut">
               <a:rPr lang="zh-CN" altLang="en-US" smtClean="0"/>
-              <a:t>2023/1/26</a:t>
+              <a:t>2023/2/26</a:t>
             </a:fld>
             <a:endParaRPr lang="zh-CN" altLang="en-US"/>
           </a:p>
@@ -1222,7 +1222,7 @@
           <a:p>
             <a:fld id="{415521C9-D0D3-45FB-A5F7-E66BC598C280}" type="datetimeFigureOut">
               <a:rPr lang="zh-CN" altLang="en-US" smtClean="0"/>
-              <a:t>2023/1/26</a:t>
+              <a:t>2023/2/26</a:t>
             </a:fld>
             <a:endParaRPr lang="zh-CN" altLang="en-US"/>
           </a:p>
@@ -1497,7 +1497,7 @@
           <a:p>
             <a:fld id="{415521C9-D0D3-45FB-A5F7-E66BC598C280}" type="datetimeFigureOut">
               <a:rPr lang="zh-CN" altLang="en-US" smtClean="0"/>
-              <a:t>2023/1/26</a:t>
+              <a:t>2023/2/26</a:t>
             </a:fld>
             <a:endParaRPr lang="zh-CN" altLang="en-US"/>
           </a:p>
@@ -1762,7 +1762,7 @@
           <a:p>
             <a:fld id="{415521C9-D0D3-45FB-A5F7-E66BC598C280}" type="datetimeFigureOut">
               <a:rPr lang="zh-CN" altLang="en-US" smtClean="0"/>
-              <a:t>2023/1/26</a:t>
+              <a:t>2023/2/26</a:t>
             </a:fld>
             <a:endParaRPr lang="zh-CN" altLang="en-US"/>
           </a:p>
@@ -2174,7 +2174,7 @@
           <a:p>
             <a:fld id="{415521C9-D0D3-45FB-A5F7-E66BC598C280}" type="datetimeFigureOut">
               <a:rPr lang="zh-CN" altLang="en-US" smtClean="0"/>
-              <a:t>2023/1/26</a:t>
+              <a:t>2023/2/26</a:t>
             </a:fld>
             <a:endParaRPr lang="zh-CN" altLang="en-US"/>
           </a:p>
@@ -2315,7 +2315,7 @@
           <a:p>
             <a:fld id="{415521C9-D0D3-45FB-A5F7-E66BC598C280}" type="datetimeFigureOut">
               <a:rPr lang="zh-CN" altLang="en-US" smtClean="0"/>
-              <a:t>2023/1/26</a:t>
+              <a:t>2023/2/26</a:t>
             </a:fld>
             <a:endParaRPr lang="zh-CN" altLang="en-US"/>
           </a:p>
@@ -2428,7 +2428,7 @@
           <a:p>
             <a:fld id="{415521C9-D0D3-45FB-A5F7-E66BC598C280}" type="datetimeFigureOut">
               <a:rPr lang="zh-CN" altLang="en-US" smtClean="0"/>
-              <a:t>2023/1/26</a:t>
+              <a:t>2023/2/26</a:t>
             </a:fld>
             <a:endParaRPr lang="zh-CN" altLang="en-US"/>
           </a:p>
@@ -2739,7 +2739,7 @@
           <a:p>
             <a:fld id="{415521C9-D0D3-45FB-A5F7-E66BC598C280}" type="datetimeFigureOut">
               <a:rPr lang="zh-CN" altLang="en-US" smtClean="0"/>
-              <a:t>2023/1/26</a:t>
+              <a:t>2023/2/26</a:t>
             </a:fld>
             <a:endParaRPr lang="zh-CN" altLang="en-US"/>
           </a:p>
@@ -3027,7 +3027,7 @@
           <a:p>
             <a:fld id="{415521C9-D0D3-45FB-A5F7-E66BC598C280}" type="datetimeFigureOut">
               <a:rPr lang="zh-CN" altLang="en-US" smtClean="0"/>
-              <a:t>2023/1/26</a:t>
+              <a:t>2023/2/26</a:t>
             </a:fld>
             <a:endParaRPr lang="zh-CN" altLang="en-US"/>
           </a:p>
@@ -3268,7 +3268,7 @@
           <a:p>
             <a:fld id="{415521C9-D0D3-45FB-A5F7-E66BC598C280}" type="datetimeFigureOut">
               <a:rPr lang="zh-CN" altLang="en-US" smtClean="0"/>
-              <a:t>2023/1/26</a:t>
+              <a:t>2023/2/26</a:t>
             </a:fld>
             <a:endParaRPr lang="zh-CN" altLang="en-US"/>
           </a:p>
@@ -5478,8 +5478,8 @@
           </a:p>
         </p:txBody>
       </p:sp>
-      <mc:AlternateContent xmlns:mc="http://schemas.openxmlformats.org/markup-compatibility/2006">
-        <mc:Choice xmlns:a14="http://schemas.microsoft.com/office/drawing/2010/main" Requires="a14">
+      <mc:AlternateContent xmlns:mc="http://schemas.openxmlformats.org/markup-compatibility/2006" xmlns:a14="http://schemas.microsoft.com/office/drawing/2010/main">
+        <mc:Choice Requires="a14">
           <p:sp>
             <p:nvSpPr>
               <p:cNvPr id="8" name="文本框 7">
@@ -5508,6 +5508,7 @@
               </a:bodyPr>
               <a:lstStyle/>
               <a:p>
+                <a:pPr/>
                 <a14:m>
                   <m:oMathPara xmlns:m="http://schemas.openxmlformats.org/officeDocument/2006/math">
                     <m:oMathParaPr>
@@ -5582,7 +5583,7 @@
             </p:txBody>
           </p:sp>
         </mc:Choice>
-        <mc:Fallback>
+        <mc:Fallback xmlns="">
           <p:sp>
             <p:nvSpPr>
               <p:cNvPr id="8" name="文本框 7">
@@ -5747,8 +5748,8 @@
             <a:chExt cx="10185420" cy="276999"/>
           </a:xfrm>
         </p:grpSpPr>
-        <mc:AlternateContent xmlns:mc="http://schemas.openxmlformats.org/markup-compatibility/2006">
-          <mc:Choice xmlns:a14="http://schemas.microsoft.com/office/drawing/2010/main" Requires="a14">
+        <mc:AlternateContent xmlns:mc="http://schemas.openxmlformats.org/markup-compatibility/2006" xmlns:a14="http://schemas.microsoft.com/office/drawing/2010/main">
+          <mc:Choice Requires="a14">
             <p:sp>
               <p:nvSpPr>
                 <p:cNvPr id="14" name="文本框 13">
@@ -5814,7 +5815,7 @@
               </p:txBody>
             </p:sp>
           </mc:Choice>
-          <mc:Fallback>
+          <mc:Fallback xmlns="">
             <p:sp>
               <p:nvSpPr>
                 <p:cNvPr id="14" name="文本框 13">
@@ -5900,8 +5901,8 @@
             </a:fontRef>
           </p:style>
         </p:cxnSp>
-        <mc:AlternateContent xmlns:mc="http://schemas.openxmlformats.org/markup-compatibility/2006">
-          <mc:Choice xmlns:a14="http://schemas.microsoft.com/office/drawing/2010/main" Requires="a14">
+        <mc:AlternateContent xmlns:mc="http://schemas.openxmlformats.org/markup-compatibility/2006" xmlns:a14="http://schemas.microsoft.com/office/drawing/2010/main">
+          <mc:Choice Requires="a14">
             <p:sp>
               <p:nvSpPr>
                 <p:cNvPr id="17" name="文本框 16">
@@ -6055,13 +6056,7 @@
                         <a:rPr lang="en-US" altLang="zh-CN" b="1" i="1" smtClean="0">
                           <a:latin typeface="Cambria Math" panose="02040503050406030204" pitchFamily="18" charset="0"/>
                         </a:rPr>
-                        <m:t>)</m:t>
-                      </m:r>
-                      <m:r>
-                        <a:rPr lang="en-US" altLang="zh-CN" b="1" i="1" smtClean="0">
-                          <a:latin typeface="Cambria Math" panose="02040503050406030204" pitchFamily="18" charset="0"/>
-                        </a:rPr>
-                        <m:t>)</m:t>
+                        <m:t>))</m:t>
                       </m:r>
                     </m:oMath>
                   </a14:m>
@@ -6238,7 +6233,7 @@
               </p:txBody>
             </p:sp>
           </mc:Choice>
-          <mc:Fallback>
+          <mc:Fallback xmlns="">
             <p:sp>
               <p:nvSpPr>
                 <p:cNvPr id="17" name="文本框 16">
